--- a/Lecture/24_1_정보보호/정보보호 2강.pptx
+++ b/Lecture/24_1_정보보호/정보보호 2강.pptx
@@ -17,22 +17,22 @@
     <p:sldId id="1190" r:id="rId8"/>
     <p:sldId id="1139" r:id="rId9"/>
     <p:sldId id="1140" r:id="rId10"/>
-    <p:sldId id="1141" r:id="rId11"/>
-    <p:sldId id="1142" r:id="rId12"/>
-    <p:sldId id="1082" r:id="rId13"/>
-    <p:sldId id="1143" r:id="rId14"/>
-    <p:sldId id="1144" r:id="rId15"/>
-    <p:sldId id="1145" r:id="rId16"/>
-    <p:sldId id="1151" r:id="rId17"/>
-    <p:sldId id="1152" r:id="rId18"/>
-    <p:sldId id="1154" r:id="rId19"/>
-    <p:sldId id="1153" r:id="rId20"/>
-    <p:sldId id="1155" r:id="rId21"/>
-    <p:sldId id="1163" r:id="rId22"/>
-    <p:sldId id="1174" r:id="rId23"/>
-    <p:sldId id="1175" r:id="rId24"/>
-    <p:sldId id="1156" r:id="rId25"/>
-    <p:sldId id="1182" r:id="rId26"/>
+    <p:sldId id="1192" r:id="rId11"/>
+    <p:sldId id="1141" r:id="rId12"/>
+    <p:sldId id="1142" r:id="rId13"/>
+    <p:sldId id="1082" r:id="rId14"/>
+    <p:sldId id="1143" r:id="rId15"/>
+    <p:sldId id="1144" r:id="rId16"/>
+    <p:sldId id="1145" r:id="rId17"/>
+    <p:sldId id="1151" r:id="rId18"/>
+    <p:sldId id="1152" r:id="rId19"/>
+    <p:sldId id="1154" r:id="rId20"/>
+    <p:sldId id="1153" r:id="rId21"/>
+    <p:sldId id="1155" r:id="rId22"/>
+    <p:sldId id="1163" r:id="rId23"/>
+    <p:sldId id="1174" r:id="rId24"/>
+    <p:sldId id="1175" r:id="rId25"/>
+    <p:sldId id="1156" r:id="rId26"/>
     <p:sldId id="1181" r:id="rId27"/>
     <p:sldId id="1185" r:id="rId28"/>
     <p:sldId id="1157" r:id="rId29"/>
@@ -225,7 +225,7 @@
           <a:p>
             <a:fld id="{4AE6C8F4-24BF-4609-A599-40C710009EDF}" type="datetimeFigureOut">
               <a:rPr lang="ko-KR" altLang="en-US" smtClean="0"/>
-              <a:t>2024-02-19</a:t>
+              <a:t>2024-02-21</a:t>
             </a:fld>
             <a:endParaRPr lang="ko-KR" altLang="en-US"/>
           </a:p>
@@ -643,7 +643,7 @@
             <a:fld id="{A183AF23-4441-4054-AFEF-971051AB1698}" type="slidenum">
               <a:rPr lang="ko-KR" altLang="en-US" smtClean="0"/>
               <a:pPr/>
-              <a:t>14</a:t>
+              <a:t>15</a:t>
             </a:fld>
             <a:endParaRPr lang="ko-KR" altLang="en-US"/>
           </a:p>
@@ -728,7 +728,7 @@
             <a:fld id="{A183AF23-4441-4054-AFEF-971051AB1698}" type="slidenum">
               <a:rPr lang="ko-KR" altLang="en-US" smtClean="0"/>
               <a:pPr/>
-              <a:t>15</a:t>
+              <a:t>16</a:t>
             </a:fld>
             <a:endParaRPr lang="ko-KR" altLang="en-US"/>
           </a:p>
@@ -813,7 +813,7 @@
             <a:fld id="{A183AF23-4441-4054-AFEF-971051AB1698}" type="slidenum">
               <a:rPr lang="ko-KR" altLang="en-US" smtClean="0"/>
               <a:pPr/>
-              <a:t>16</a:t>
+              <a:t>17</a:t>
             </a:fld>
             <a:endParaRPr lang="ko-KR" altLang="en-US"/>
           </a:p>
@@ -898,7 +898,7 @@
             <a:fld id="{A183AF23-4441-4054-AFEF-971051AB1698}" type="slidenum">
               <a:rPr lang="ko-KR" altLang="en-US" smtClean="0"/>
               <a:pPr/>
-              <a:t>17</a:t>
+              <a:t>18</a:t>
             </a:fld>
             <a:endParaRPr lang="ko-KR" altLang="en-US"/>
           </a:p>
@@ -983,7 +983,7 @@
             <a:fld id="{A183AF23-4441-4054-AFEF-971051AB1698}" type="slidenum">
               <a:rPr lang="ko-KR" altLang="en-US" smtClean="0"/>
               <a:pPr/>
-              <a:t>18</a:t>
+              <a:t>19</a:t>
             </a:fld>
             <a:endParaRPr lang="ko-KR" altLang="en-US"/>
           </a:p>
@@ -1068,7 +1068,7 @@
             <a:fld id="{A183AF23-4441-4054-AFEF-971051AB1698}" type="slidenum">
               <a:rPr lang="ko-KR" altLang="en-US" smtClean="0"/>
               <a:pPr/>
-              <a:t>19</a:t>
+              <a:t>20</a:t>
             </a:fld>
             <a:endParaRPr lang="ko-KR" altLang="en-US"/>
           </a:p>
@@ -1158,7 +1158,7 @@
               <a:pPr>
                 <a:defRPr/>
               </a:pPr>
-              <a:t>22</a:t>
+              <a:t>23</a:t>
             </a:fld>
             <a:endParaRPr lang="en-US" altLang="ko-KR"/>
           </a:p>
@@ -1243,7 +1243,7 @@
             <a:fld id="{A183AF23-4441-4054-AFEF-971051AB1698}" type="slidenum">
               <a:rPr lang="ko-KR" altLang="en-US" smtClean="0"/>
               <a:pPr/>
-              <a:t>23</a:t>
+              <a:t>24</a:t>
             </a:fld>
             <a:endParaRPr lang="ko-KR" altLang="en-US"/>
           </a:p>
@@ -1328,7 +1328,7 @@
             <a:fld id="{A183AF23-4441-4054-AFEF-971051AB1698}" type="slidenum">
               <a:rPr lang="ko-KR" altLang="en-US" smtClean="0"/>
               <a:pPr/>
-              <a:t>24</a:t>
+              <a:t>25</a:t>
             </a:fld>
             <a:endParaRPr lang="ko-KR" altLang="en-US"/>
           </a:p>
@@ -2098,7 +2098,7 @@
             <a:fld id="{A183AF23-4441-4054-AFEF-971051AB1698}" type="slidenum">
               <a:rPr lang="ko-KR" altLang="en-US" smtClean="0"/>
               <a:pPr/>
-              <a:t>10</a:t>
+              <a:t>11</a:t>
             </a:fld>
             <a:endParaRPr lang="ko-KR" altLang="en-US"/>
           </a:p>
@@ -2183,7 +2183,7 @@
             <a:fld id="{A183AF23-4441-4054-AFEF-971051AB1698}" type="slidenum">
               <a:rPr lang="ko-KR" altLang="en-US" smtClean="0"/>
               <a:pPr/>
-              <a:t>12</a:t>
+              <a:t>13</a:t>
             </a:fld>
             <a:endParaRPr lang="ko-KR" altLang="en-US"/>
           </a:p>
@@ -2268,7 +2268,7 @@
             <a:fld id="{A183AF23-4441-4054-AFEF-971051AB1698}" type="slidenum">
               <a:rPr lang="ko-KR" altLang="en-US" smtClean="0"/>
               <a:pPr/>
-              <a:t>13</a:t>
+              <a:t>14</a:t>
             </a:fld>
             <a:endParaRPr lang="ko-KR" altLang="en-US"/>
           </a:p>
@@ -2434,7 +2434,7 @@
           <a:p>
             <a:fld id="{1F89F52F-269B-45D4-A799-CECB5A8B69A3}" type="datetimeFigureOut">
               <a:rPr lang="ko-KR" altLang="en-US" smtClean="0"/>
-              <a:t>2024-02-19</a:t>
+              <a:t>2024-02-21</a:t>
             </a:fld>
             <a:endParaRPr lang="ko-KR" altLang="en-US"/>
           </a:p>
@@ -2632,7 +2632,7 @@
           <a:p>
             <a:fld id="{1F89F52F-269B-45D4-A799-CECB5A8B69A3}" type="datetimeFigureOut">
               <a:rPr lang="ko-KR" altLang="en-US" smtClean="0"/>
-              <a:t>2024-02-19</a:t>
+              <a:t>2024-02-21</a:t>
             </a:fld>
             <a:endParaRPr lang="ko-KR" altLang="en-US"/>
           </a:p>
@@ -2840,7 +2840,7 @@
           <a:p>
             <a:fld id="{1F89F52F-269B-45D4-A799-CECB5A8B69A3}" type="datetimeFigureOut">
               <a:rPr lang="ko-KR" altLang="en-US" smtClean="0"/>
-              <a:t>2024-02-19</a:t>
+              <a:t>2024-02-21</a:t>
             </a:fld>
             <a:endParaRPr lang="ko-KR" altLang="en-US"/>
           </a:p>
@@ -3344,7 +3344,7 @@
           <a:p>
             <a:fld id="{1F89F52F-269B-45D4-A799-CECB5A8B69A3}" type="datetimeFigureOut">
               <a:rPr lang="ko-KR" altLang="en-US" smtClean="0"/>
-              <a:t>2024-02-19</a:t>
+              <a:t>2024-02-21</a:t>
             </a:fld>
             <a:endParaRPr lang="ko-KR" altLang="en-US"/>
           </a:p>
@@ -3619,7 +3619,7 @@
           <a:p>
             <a:fld id="{1F89F52F-269B-45D4-A799-CECB5A8B69A3}" type="datetimeFigureOut">
               <a:rPr lang="ko-KR" altLang="en-US" smtClean="0"/>
-              <a:t>2024-02-19</a:t>
+              <a:t>2024-02-21</a:t>
             </a:fld>
             <a:endParaRPr lang="ko-KR" altLang="en-US"/>
           </a:p>
@@ -3884,7 +3884,7 @@
           <a:p>
             <a:fld id="{1F89F52F-269B-45D4-A799-CECB5A8B69A3}" type="datetimeFigureOut">
               <a:rPr lang="ko-KR" altLang="en-US" smtClean="0"/>
-              <a:t>2024-02-19</a:t>
+              <a:t>2024-02-21</a:t>
             </a:fld>
             <a:endParaRPr lang="ko-KR" altLang="en-US"/>
           </a:p>
@@ -4296,7 +4296,7 @@
           <a:p>
             <a:fld id="{1F89F52F-269B-45D4-A799-CECB5A8B69A3}" type="datetimeFigureOut">
               <a:rPr lang="ko-KR" altLang="en-US" smtClean="0"/>
-              <a:t>2024-02-19</a:t>
+              <a:t>2024-02-21</a:t>
             </a:fld>
             <a:endParaRPr lang="ko-KR" altLang="en-US"/>
           </a:p>
@@ -4437,7 +4437,7 @@
           <a:p>
             <a:fld id="{1F89F52F-269B-45D4-A799-CECB5A8B69A3}" type="datetimeFigureOut">
               <a:rPr lang="ko-KR" altLang="en-US" smtClean="0"/>
-              <a:t>2024-02-19</a:t>
+              <a:t>2024-02-21</a:t>
             </a:fld>
             <a:endParaRPr lang="ko-KR" altLang="en-US"/>
           </a:p>
@@ -4550,7 +4550,7 @@
           <a:p>
             <a:fld id="{1F89F52F-269B-45D4-A799-CECB5A8B69A3}" type="datetimeFigureOut">
               <a:rPr lang="ko-KR" altLang="en-US" smtClean="0"/>
-              <a:t>2024-02-19</a:t>
+              <a:t>2024-02-21</a:t>
             </a:fld>
             <a:endParaRPr lang="ko-KR" altLang="en-US"/>
           </a:p>
@@ -4861,7 +4861,7 @@
           <a:p>
             <a:fld id="{1F89F52F-269B-45D4-A799-CECB5A8B69A3}" type="datetimeFigureOut">
               <a:rPr lang="ko-KR" altLang="en-US" smtClean="0"/>
-              <a:t>2024-02-19</a:t>
+              <a:t>2024-02-21</a:t>
             </a:fld>
             <a:endParaRPr lang="ko-KR" altLang="en-US"/>
           </a:p>
@@ -5149,7 +5149,7 @@
           <a:p>
             <a:fld id="{1F89F52F-269B-45D4-A799-CECB5A8B69A3}" type="datetimeFigureOut">
               <a:rPr lang="ko-KR" altLang="en-US" smtClean="0"/>
-              <a:t>2024-02-19</a:t>
+              <a:t>2024-02-21</a:t>
             </a:fld>
             <a:endParaRPr lang="ko-KR" altLang="en-US"/>
           </a:p>
@@ -5390,7 +5390,7 @@
           <a:p>
             <a:fld id="{1F89F52F-269B-45D4-A799-CECB5A8B69A3}" type="datetimeFigureOut">
               <a:rPr lang="ko-KR" altLang="en-US" smtClean="0"/>
-              <a:t>2024-02-19</a:t>
+              <a:t>2024-02-21</a:t>
             </a:fld>
             <a:endParaRPr lang="ko-KR" altLang="en-US"/>
           </a:p>
@@ -5893,6 +5893,83 @@
 </file>
 
 <file path=ppt/slides/slide10.xml><?xml version="1.0" encoding="utf-8"?>
+<p:sld xmlns:a="http://schemas.openxmlformats.org/drawingml/2006/main" xmlns:r="http://schemas.openxmlformats.org/officeDocument/2006/relationships" xmlns:p="http://schemas.openxmlformats.org/presentationml/2006/main">
+  <p:cSld>
+    <p:spTree>
+      <p:nvGrpSpPr>
+        <p:cNvPr id="1" name=""/>
+        <p:cNvGrpSpPr/>
+        <p:nvPr/>
+      </p:nvGrpSpPr>
+      <p:grpSpPr>
+        <a:xfrm>
+          <a:off x="0" y="0"/>
+          <a:ext cx="0" cy="0"/>
+          <a:chOff x="0" y="0"/>
+          <a:chExt cx="0" cy="0"/>
+        </a:xfrm>
+      </p:grpSpPr>
+      <p:pic>
+        <p:nvPicPr>
+          <p:cNvPr id="2050" name="Picture 2" descr="Persian Gulf War | Summary, Dates, Combatants, Casualties, Syndrome, Map, &amp;  Facts | Britannica">
+            <a:extLst>
+              <a:ext uri="{FF2B5EF4-FFF2-40B4-BE49-F238E27FC236}">
+                <a16:creationId xmlns:a16="http://schemas.microsoft.com/office/drawing/2014/main" id="{81760C5D-652C-4294-8AF9-0D1FBF4EE9E8}"/>
+              </a:ext>
+            </a:extLst>
+          </p:cNvPr>
+          <p:cNvPicPr>
+            <a:picLocks noChangeAspect="1" noChangeArrowheads="1"/>
+          </p:cNvPicPr>
+          <p:nvPr/>
+        </p:nvPicPr>
+        <p:blipFill>
+          <a:blip r:embed="rId2">
+            <a:extLst>
+              <a:ext uri="{28A0092B-C50C-407E-A947-70E740481C1C}">
+                <a14:useLocalDpi xmlns:a14="http://schemas.microsoft.com/office/drawing/2010/main" val="0"/>
+              </a:ext>
+            </a:extLst>
+          </a:blip>
+          <a:srcRect/>
+          <a:stretch>
+            <a:fillRect/>
+          </a:stretch>
+        </p:blipFill>
+        <p:spPr bwMode="auto">
+          <a:xfrm>
+            <a:off x="1920875" y="0"/>
+            <a:ext cx="8350250" cy="6858000"/>
+          </a:xfrm>
+          <a:prstGeom prst="rect">
+            <a:avLst/>
+          </a:prstGeom>
+          <a:noFill/>
+          <a:extLst>
+            <a:ext uri="{909E8E84-426E-40DD-AFC4-6F175D3DCCD1}">
+              <a14:hiddenFill xmlns:a14="http://schemas.microsoft.com/office/drawing/2010/main">
+                <a:solidFill>
+                  <a:srgbClr val="FFFFFF"/>
+                </a:solidFill>
+              </a14:hiddenFill>
+            </a:ext>
+          </a:extLst>
+        </p:spPr>
+      </p:pic>
+    </p:spTree>
+    <p:extLst>
+      <p:ext uri="{BB962C8B-B14F-4D97-AF65-F5344CB8AC3E}">
+        <p14:creationId xmlns:p14="http://schemas.microsoft.com/office/powerpoint/2010/main" val="3540347054"/>
+      </p:ext>
+    </p:extLst>
+  </p:cSld>
+  <p:clrMapOvr>
+    <a:masterClrMapping/>
+  </p:clrMapOvr>
+</p:sld>
+</file>
+
+<file path=ppt/slides/slide11.xml><?xml version="1.0" encoding="utf-8"?>
 <p:sld xmlns:a="http://schemas.openxmlformats.org/drawingml/2006/main" xmlns:r="http://schemas.openxmlformats.org/officeDocument/2006/relationships" xmlns:p="http://schemas.openxmlformats.org/presentationml/2006/main">
   <p:cSld>
     <p:spTree>
@@ -6435,7 +6512,7 @@
               <a:pPr>
                 <a:defRPr/>
               </a:pPr>
-              <a:t>10</a:t>
+              <a:t>11</a:t>
             </a:fld>
             <a:endParaRPr lang="ko-KR" altLang="en-US" dirty="0"/>
           </a:p>
@@ -7389,7 +7466,7 @@
 </p:sld>
 </file>
 
-<file path=ppt/slides/slide11.xml><?xml version="1.0" encoding="utf-8"?>
+<file path=ppt/slides/slide12.xml><?xml version="1.0" encoding="utf-8"?>
 <p:sld xmlns:a="http://schemas.openxmlformats.org/drawingml/2006/main" xmlns:r="http://schemas.openxmlformats.org/officeDocument/2006/relationships" xmlns:p="http://schemas.openxmlformats.org/presentationml/2006/main">
   <p:cSld>
     <p:spTree>
@@ -7449,7 +7526,7 @@
 </p:sld>
 </file>
 
-<file path=ppt/slides/slide12.xml><?xml version="1.0" encoding="utf-8"?>
+<file path=ppt/slides/slide13.xml><?xml version="1.0" encoding="utf-8"?>
 <p:sld xmlns:a="http://schemas.openxmlformats.org/drawingml/2006/main" xmlns:r="http://schemas.openxmlformats.org/officeDocument/2006/relationships" xmlns:p="http://schemas.openxmlformats.org/presentationml/2006/main">
   <p:cSld>
     <p:spTree>
@@ -7992,7 +8069,7 @@
               <a:pPr>
                 <a:defRPr/>
               </a:pPr>
-              <a:t>12</a:t>
+              <a:t>13</a:t>
             </a:fld>
             <a:endParaRPr lang="ko-KR" altLang="en-US" dirty="0"/>
           </a:p>
@@ -8325,7 +8402,7 @@
 </p:sld>
 </file>
 
-<file path=ppt/slides/slide13.xml><?xml version="1.0" encoding="utf-8"?>
+<file path=ppt/slides/slide14.xml><?xml version="1.0" encoding="utf-8"?>
 <p:sld xmlns:a="http://schemas.openxmlformats.org/drawingml/2006/main" xmlns:r="http://schemas.openxmlformats.org/officeDocument/2006/relationships" xmlns:p="http://schemas.openxmlformats.org/presentationml/2006/main">
   <p:cSld>
     <p:spTree>
@@ -8885,7 +8962,7 @@
               <a:pPr>
                 <a:defRPr/>
               </a:pPr>
-              <a:t>13</a:t>
+              <a:t>14</a:t>
             </a:fld>
             <a:endParaRPr lang="ko-KR" altLang="en-US" dirty="0"/>
           </a:p>
@@ -9791,7 +9868,7 @@
 </p:sld>
 </file>
 
-<file path=ppt/slides/slide14.xml><?xml version="1.0" encoding="utf-8"?>
+<file path=ppt/slides/slide15.xml><?xml version="1.0" encoding="utf-8"?>
 <p:sld xmlns:a="http://schemas.openxmlformats.org/drawingml/2006/main" xmlns:r="http://schemas.openxmlformats.org/officeDocument/2006/relationships" xmlns:p="http://schemas.openxmlformats.org/presentationml/2006/main">
   <p:cSld>
     <p:spTree>
@@ -9918,7 +9995,7 @@
               <a:pPr>
                 <a:defRPr/>
               </a:pPr>
-              <a:t>14</a:t>
+              <a:t>15</a:t>
             </a:fld>
             <a:endParaRPr lang="ko-KR" altLang="en-US" dirty="0"/>
           </a:p>
@@ -10800,7 +10877,7 @@
 </p:sld>
 </file>
 
-<file path=ppt/slides/slide15.xml><?xml version="1.0" encoding="utf-8"?>
+<file path=ppt/slides/slide16.xml><?xml version="1.0" encoding="utf-8"?>
 <p:sld xmlns:a="http://schemas.openxmlformats.org/drawingml/2006/main" xmlns:r="http://schemas.openxmlformats.org/officeDocument/2006/relationships" xmlns:p="http://schemas.openxmlformats.org/presentationml/2006/main">
   <p:cSld>
     <p:spTree>
@@ -10927,7 +11004,7 @@
               <a:pPr>
                 <a:defRPr/>
               </a:pPr>
-              <a:t>15</a:t>
+              <a:t>16</a:t>
             </a:fld>
             <a:endParaRPr lang="ko-KR" altLang="en-US" dirty="0"/>
           </a:p>
@@ -12136,7 +12213,7 @@
 </p:sld>
 </file>
 
-<file path=ppt/slides/slide16.xml><?xml version="1.0" encoding="utf-8"?>
+<file path=ppt/slides/slide17.xml><?xml version="1.0" encoding="utf-8"?>
 <p:sld xmlns:a="http://schemas.openxmlformats.org/drawingml/2006/main" xmlns:r="http://schemas.openxmlformats.org/officeDocument/2006/relationships" xmlns:p="http://schemas.openxmlformats.org/presentationml/2006/main">
   <p:cSld>
     <p:spTree>
@@ -12207,7 +12284,7 @@
               <a:pPr>
                 <a:defRPr/>
               </a:pPr>
-              <a:t>16</a:t>
+              <a:t>17</a:t>
             </a:fld>
             <a:endParaRPr lang="ko-KR" altLang="en-US" dirty="0"/>
           </a:p>
@@ -12942,7 +13019,7 @@
 </p:sld>
 </file>
 
-<file path=ppt/slides/slide17.xml><?xml version="1.0" encoding="utf-8"?>
+<file path=ppt/slides/slide18.xml><?xml version="1.0" encoding="utf-8"?>
 <p:sld xmlns:a="http://schemas.openxmlformats.org/drawingml/2006/main" xmlns:r="http://schemas.openxmlformats.org/officeDocument/2006/relationships" xmlns:p="http://schemas.openxmlformats.org/presentationml/2006/main">
   <p:cSld>
     <p:spTree>
@@ -13013,7 +13090,7 @@
               <a:pPr>
                 <a:defRPr/>
               </a:pPr>
-              <a:t>17</a:t>
+              <a:t>18</a:t>
             </a:fld>
             <a:endParaRPr lang="ko-KR" altLang="en-US" dirty="0"/>
           </a:p>
@@ -13892,7 +13969,7 @@
 </p:sld>
 </file>
 
-<file path=ppt/slides/slide18.xml><?xml version="1.0" encoding="utf-8"?>
+<file path=ppt/slides/slide19.xml><?xml version="1.0" encoding="utf-8"?>
 <p:sld xmlns:a="http://schemas.openxmlformats.org/drawingml/2006/main" xmlns:r="http://schemas.openxmlformats.org/officeDocument/2006/relationships" xmlns:p="http://schemas.openxmlformats.org/presentationml/2006/main">
   <p:cSld>
     <p:spTree>
@@ -13963,7 +14040,7 @@
               <a:pPr>
                 <a:defRPr/>
               </a:pPr>
-              <a:t>18</a:t>
+              <a:t>19</a:t>
             </a:fld>
             <a:endParaRPr lang="ko-KR" altLang="en-US" dirty="0"/>
           </a:p>
@@ -14569,7 +14646,844 @@
 </p:sld>
 </file>
 
-<file path=ppt/slides/slide19.xml><?xml version="1.0" encoding="utf-8"?>
+<file path=ppt/slides/slide2.xml><?xml version="1.0" encoding="utf-8"?>
+<p:sld xmlns:a="http://schemas.openxmlformats.org/drawingml/2006/main" xmlns:r="http://schemas.openxmlformats.org/officeDocument/2006/relationships" xmlns:p="http://schemas.openxmlformats.org/presentationml/2006/main">
+  <p:cSld>
+    <p:spTree>
+      <p:nvGrpSpPr>
+        <p:cNvPr id="1" name=""/>
+        <p:cNvGrpSpPr/>
+        <p:nvPr/>
+      </p:nvGrpSpPr>
+      <p:grpSpPr>
+        <a:xfrm>
+          <a:off x="0" y="0"/>
+          <a:ext cx="0" cy="0"/>
+          <a:chOff x="0" y="0"/>
+          <a:chExt cx="0" cy="0"/>
+        </a:xfrm>
+      </p:grpSpPr>
+      <p:sp>
+        <p:nvSpPr>
+          <p:cNvPr id="13" name="내용 개체 틀 5"/>
+          <p:cNvSpPr txBox="1">
+            <a:spLocks/>
+          </p:cNvSpPr>
+          <p:nvPr/>
+        </p:nvSpPr>
+        <p:spPr>
+          <a:xfrm>
+            <a:off x="1875284" y="1692668"/>
+            <a:ext cx="8469188" cy="4882390"/>
+          </a:xfrm>
+          <a:prstGeom prst="rect">
+            <a:avLst/>
+          </a:prstGeom>
+        </p:spPr>
+        <p:txBody>
+          <a:bodyPr>
+            <a:noAutofit/>
+          </a:bodyPr>
+          <a:lstStyle>
+            <a:lvl1pPr marL="342900" indent="-342900" algn="l" defTabSz="914400" rtl="0" eaLnBrk="1" latinLnBrk="1" hangingPunct="1">
+              <a:spcBef>
+                <a:spcPct val="20000"/>
+              </a:spcBef>
+              <a:buFont typeface="Arial" pitchFamily="34" charset="0"/>
+              <a:buChar char="•"/>
+              <a:defRPr sz="3200" kern="1200">
+                <a:solidFill>
+                  <a:schemeClr val="tx1"/>
+                </a:solidFill>
+                <a:latin typeface="+mn-lt"/>
+                <a:ea typeface="+mn-ea"/>
+                <a:cs typeface="+mn-cs"/>
+              </a:defRPr>
+            </a:lvl1pPr>
+            <a:lvl2pPr marL="742950" indent="-285750" algn="l" defTabSz="914400" rtl="0" eaLnBrk="1" latinLnBrk="1" hangingPunct="1">
+              <a:spcBef>
+                <a:spcPct val="20000"/>
+              </a:spcBef>
+              <a:buFont typeface="Arial" pitchFamily="34" charset="0"/>
+              <a:buChar char="–"/>
+              <a:defRPr sz="2800" kern="1200">
+                <a:solidFill>
+                  <a:schemeClr val="tx1"/>
+                </a:solidFill>
+                <a:latin typeface="+mn-lt"/>
+                <a:ea typeface="+mn-ea"/>
+                <a:cs typeface="+mn-cs"/>
+              </a:defRPr>
+            </a:lvl2pPr>
+            <a:lvl3pPr marL="1143000" indent="-228600" algn="l" defTabSz="914400" rtl="0" eaLnBrk="1" latinLnBrk="1" hangingPunct="1">
+              <a:spcBef>
+                <a:spcPct val="20000"/>
+              </a:spcBef>
+              <a:buFont typeface="Arial" pitchFamily="34" charset="0"/>
+              <a:buChar char="•"/>
+              <a:defRPr sz="2400" kern="1200">
+                <a:solidFill>
+                  <a:schemeClr val="tx1"/>
+                </a:solidFill>
+                <a:latin typeface="+mn-lt"/>
+                <a:ea typeface="+mn-ea"/>
+                <a:cs typeface="+mn-cs"/>
+              </a:defRPr>
+            </a:lvl3pPr>
+            <a:lvl4pPr marL="1600200" indent="-228600" algn="l" defTabSz="914400" rtl="0" eaLnBrk="1" latinLnBrk="1" hangingPunct="1">
+              <a:spcBef>
+                <a:spcPct val="20000"/>
+              </a:spcBef>
+              <a:buFont typeface="Arial" pitchFamily="34" charset="0"/>
+              <a:buChar char="–"/>
+              <a:defRPr sz="2000" kern="1200">
+                <a:solidFill>
+                  <a:schemeClr val="tx1"/>
+                </a:solidFill>
+                <a:latin typeface="+mn-lt"/>
+                <a:ea typeface="+mn-ea"/>
+                <a:cs typeface="+mn-cs"/>
+              </a:defRPr>
+            </a:lvl4pPr>
+            <a:lvl5pPr marL="2057400" indent="-228600" algn="l" defTabSz="914400" rtl="0" eaLnBrk="1" latinLnBrk="1" hangingPunct="1">
+              <a:spcBef>
+                <a:spcPct val="20000"/>
+              </a:spcBef>
+              <a:buFont typeface="Arial" pitchFamily="34" charset="0"/>
+              <a:buChar char="»"/>
+              <a:defRPr sz="2000" kern="1200">
+                <a:solidFill>
+                  <a:schemeClr val="tx1"/>
+                </a:solidFill>
+                <a:latin typeface="+mn-lt"/>
+                <a:ea typeface="+mn-ea"/>
+                <a:cs typeface="+mn-cs"/>
+              </a:defRPr>
+            </a:lvl5pPr>
+            <a:lvl6pPr marL="2514600" indent="-228600" algn="l" defTabSz="914400" rtl="0" eaLnBrk="1" latinLnBrk="1" hangingPunct="1">
+              <a:spcBef>
+                <a:spcPct val="20000"/>
+              </a:spcBef>
+              <a:buFont typeface="Arial" pitchFamily="34" charset="0"/>
+              <a:buChar char="•"/>
+              <a:defRPr sz="2000" kern="1200">
+                <a:solidFill>
+                  <a:schemeClr val="tx1"/>
+                </a:solidFill>
+                <a:latin typeface="+mn-lt"/>
+                <a:ea typeface="+mn-ea"/>
+                <a:cs typeface="+mn-cs"/>
+              </a:defRPr>
+            </a:lvl6pPr>
+            <a:lvl7pPr marL="2971800" indent="-228600" algn="l" defTabSz="914400" rtl="0" eaLnBrk="1" latinLnBrk="1" hangingPunct="1">
+              <a:spcBef>
+                <a:spcPct val="20000"/>
+              </a:spcBef>
+              <a:buFont typeface="Arial" pitchFamily="34" charset="0"/>
+              <a:buChar char="•"/>
+              <a:defRPr sz="2000" kern="1200">
+                <a:solidFill>
+                  <a:schemeClr val="tx1"/>
+                </a:solidFill>
+                <a:latin typeface="+mn-lt"/>
+                <a:ea typeface="+mn-ea"/>
+                <a:cs typeface="+mn-cs"/>
+              </a:defRPr>
+            </a:lvl7pPr>
+            <a:lvl8pPr marL="3429000" indent="-228600" algn="l" defTabSz="914400" rtl="0" eaLnBrk="1" latinLnBrk="1" hangingPunct="1">
+              <a:spcBef>
+                <a:spcPct val="20000"/>
+              </a:spcBef>
+              <a:buFont typeface="Arial" pitchFamily="34" charset="0"/>
+              <a:buChar char="•"/>
+              <a:defRPr sz="2000" kern="1200">
+                <a:solidFill>
+                  <a:schemeClr val="tx1"/>
+                </a:solidFill>
+                <a:latin typeface="+mn-lt"/>
+                <a:ea typeface="+mn-ea"/>
+                <a:cs typeface="+mn-cs"/>
+              </a:defRPr>
+            </a:lvl8pPr>
+            <a:lvl9pPr marL="3886200" indent="-228600" algn="l" defTabSz="914400" rtl="0" eaLnBrk="1" latinLnBrk="1" hangingPunct="1">
+              <a:spcBef>
+                <a:spcPct val="20000"/>
+              </a:spcBef>
+              <a:buFont typeface="Arial" pitchFamily="34" charset="0"/>
+              <a:buChar char="•"/>
+              <a:defRPr sz="2000" kern="1200">
+                <a:solidFill>
+                  <a:schemeClr val="tx1"/>
+                </a:solidFill>
+                <a:latin typeface="+mn-lt"/>
+                <a:ea typeface="+mn-ea"/>
+                <a:cs typeface="+mn-cs"/>
+              </a:defRPr>
+            </a:lvl9pPr>
+          </a:lstStyle>
+          <a:p>
+            <a:pPr>
+              <a:buFont typeface="Wingdings" panose="05000000000000000000" pitchFamily="2" charset="2"/>
+              <a:buChar char="l"/>
+              <a:defRPr/>
+            </a:pPr>
+            <a:r>
+              <a:rPr lang="ko-KR" altLang="en-US" sz="1600" dirty="0">
+                <a:latin typeface="HY헤드라인M" panose="02030600000101010101" pitchFamily="18" charset="-127"/>
+                <a:ea typeface="HY헤드라인M" panose="02030600000101010101" pitchFamily="18" charset="-127"/>
+              </a:rPr>
+              <a:t>일반적 정의 </a:t>
+            </a:r>
+            <a:r>
+              <a:rPr lang="en-US" altLang="ko-KR" sz="1600" dirty="0">
+                <a:latin typeface="HY헤드라인M" panose="02030600000101010101" pitchFamily="18" charset="-127"/>
+                <a:ea typeface="HY헤드라인M" panose="02030600000101010101" pitchFamily="18" charset="-127"/>
+              </a:rPr>
+              <a:t>: </a:t>
+            </a:r>
+            <a:r>
+              <a:rPr lang="ko-KR" altLang="en-US" sz="1600" dirty="0">
+                <a:latin typeface="HY헤드라인M" panose="02030600000101010101" pitchFamily="18" charset="-127"/>
+                <a:ea typeface="HY헤드라인M" panose="02030600000101010101" pitchFamily="18" charset="-127"/>
+              </a:rPr>
+              <a:t>기업의 중요한 정보를 안전하게 보호하기 위해 정보의 기밀성</a:t>
+            </a:r>
+            <a:r>
+              <a:rPr lang="en-US" altLang="ko-KR" sz="1600" dirty="0">
+                <a:latin typeface="HY헤드라인M" panose="02030600000101010101" pitchFamily="18" charset="-127"/>
+                <a:ea typeface="HY헤드라인M" panose="02030600000101010101" pitchFamily="18" charset="-127"/>
+              </a:rPr>
+              <a:t>, </a:t>
+            </a:r>
+            <a:r>
+              <a:rPr lang="ko-KR" altLang="en-US" sz="1600" dirty="0" err="1">
+                <a:latin typeface="HY헤드라인M" panose="02030600000101010101" pitchFamily="18" charset="-127"/>
+                <a:ea typeface="HY헤드라인M" panose="02030600000101010101" pitchFamily="18" charset="-127"/>
+              </a:rPr>
+              <a:t>무결성</a:t>
+            </a:r>
+            <a:r>
+              <a:rPr lang="en-US" altLang="ko-KR" sz="1600" dirty="0">
+                <a:latin typeface="HY헤드라인M" panose="02030600000101010101" pitchFamily="18" charset="-127"/>
+                <a:ea typeface="HY헤드라인M" panose="02030600000101010101" pitchFamily="18" charset="-127"/>
+              </a:rPr>
+              <a:t>, </a:t>
+            </a:r>
+          </a:p>
+          <a:p>
+            <a:pPr marL="0" indent="0">
+              <a:buNone/>
+            </a:pPr>
+            <a:r>
+              <a:rPr lang="en-US" altLang="ko-KR" sz="1600" dirty="0">
+                <a:latin typeface="HY헤드라인M" panose="02030600000101010101" pitchFamily="18" charset="-127"/>
+                <a:ea typeface="HY헤드라인M" panose="02030600000101010101" pitchFamily="18" charset="-127"/>
+              </a:rPr>
+              <a:t>     </a:t>
+            </a:r>
+            <a:r>
+              <a:rPr lang="ko-KR" altLang="en-US" sz="1600" dirty="0">
+                <a:latin typeface="HY헤드라인M" panose="02030600000101010101" pitchFamily="18" charset="-127"/>
+                <a:ea typeface="HY헤드라인M" panose="02030600000101010101" pitchFamily="18" charset="-127"/>
+              </a:rPr>
+              <a:t>가용성을 만족할 수 있도록 기술적</a:t>
+            </a:r>
+            <a:r>
+              <a:rPr lang="en-US" altLang="ko-KR" sz="1600" dirty="0">
+                <a:latin typeface="HY헤드라인M" panose="02030600000101010101" pitchFamily="18" charset="-127"/>
+                <a:ea typeface="HY헤드라인M" panose="02030600000101010101" pitchFamily="18" charset="-127"/>
+              </a:rPr>
+              <a:t>, </a:t>
+            </a:r>
+            <a:r>
+              <a:rPr lang="ko-KR" altLang="en-US" sz="1600" dirty="0">
+                <a:latin typeface="HY헤드라인M" panose="02030600000101010101" pitchFamily="18" charset="-127"/>
+                <a:ea typeface="HY헤드라인M" panose="02030600000101010101" pitchFamily="18" charset="-127"/>
+              </a:rPr>
+              <a:t>관리적</a:t>
+            </a:r>
+            <a:r>
+              <a:rPr lang="en-US" altLang="ko-KR" sz="1600" dirty="0">
+                <a:latin typeface="HY헤드라인M" panose="02030600000101010101" pitchFamily="18" charset="-127"/>
+                <a:ea typeface="HY헤드라인M" panose="02030600000101010101" pitchFamily="18" charset="-127"/>
+              </a:rPr>
+              <a:t>, </a:t>
+            </a:r>
+            <a:r>
+              <a:rPr lang="ko-KR" altLang="en-US" sz="1600" dirty="0">
+                <a:latin typeface="HY헤드라인M" panose="02030600000101010101" pitchFamily="18" charset="-127"/>
+                <a:ea typeface="HY헤드라인M" panose="02030600000101010101" pitchFamily="18" charset="-127"/>
+              </a:rPr>
+              <a:t>물리적 보호조치를 강구하는 것</a:t>
+            </a:r>
+            <a:endParaRPr lang="en-US" altLang="ko-KR" sz="1600" dirty="0">
+              <a:latin typeface="HY헤드라인M" panose="02030600000101010101" pitchFamily="18" charset="-127"/>
+              <a:ea typeface="HY헤드라인M" panose="02030600000101010101" pitchFamily="18" charset="-127"/>
+            </a:endParaRPr>
+          </a:p>
+          <a:p>
+            <a:pPr marL="0" indent="0">
+              <a:buNone/>
+            </a:pPr>
+            <a:endParaRPr lang="en-US" altLang="ko-KR" sz="600" dirty="0">
+              <a:latin typeface="HY헤드라인M" panose="02030600000101010101" pitchFamily="18" charset="-127"/>
+              <a:ea typeface="HY헤드라인M" panose="02030600000101010101" pitchFamily="18" charset="-127"/>
+            </a:endParaRPr>
+          </a:p>
+          <a:p>
+            <a:pPr>
+              <a:buFont typeface="Wingdings" panose="05000000000000000000" pitchFamily="2" charset="2"/>
+              <a:buChar char="l"/>
+            </a:pPr>
+            <a:r>
+              <a:rPr lang="ko-KR" altLang="en-US" sz="1600" dirty="0">
+                <a:latin typeface="HY헤드라인M" panose="02030600000101010101" pitchFamily="18" charset="-127"/>
+                <a:ea typeface="HY헤드라인M" panose="02030600000101010101" pitchFamily="18" charset="-127"/>
+              </a:rPr>
+              <a:t>법률적 정의 </a:t>
+            </a:r>
+            <a:r>
+              <a:rPr lang="en-US" altLang="ko-KR" sz="1600" dirty="0">
+                <a:latin typeface="HY헤드라인M" panose="02030600000101010101" pitchFamily="18" charset="-127"/>
+                <a:ea typeface="HY헤드라인M" panose="02030600000101010101" pitchFamily="18" charset="-127"/>
+              </a:rPr>
+              <a:t>:</a:t>
+            </a:r>
+          </a:p>
+          <a:p>
+            <a:pPr marL="0" indent="0">
+              <a:buNone/>
+            </a:pPr>
+            <a:endParaRPr lang="en-US" altLang="ko-KR" sz="1600" dirty="0">
+              <a:latin typeface="+mn-ea"/>
+            </a:endParaRPr>
+          </a:p>
+          <a:p>
+            <a:pPr marL="0" indent="0">
+              <a:buNone/>
+              <a:defRPr/>
+            </a:pPr>
+            <a:endParaRPr lang="en-US" altLang="ko-KR" sz="1600" dirty="0">
+              <a:latin typeface="+mn-ea"/>
+            </a:endParaRPr>
+          </a:p>
+          <a:p>
+            <a:pPr marL="0" indent="0">
+              <a:buNone/>
+              <a:defRPr/>
+            </a:pPr>
+            <a:endParaRPr lang="en-US" altLang="ko-KR" sz="1600" dirty="0">
+              <a:latin typeface="+mn-ea"/>
+            </a:endParaRPr>
+          </a:p>
+          <a:p>
+            <a:pPr marL="0" indent="0">
+              <a:buNone/>
+              <a:defRPr/>
+            </a:pPr>
+            <a:endParaRPr lang="en-US" altLang="ko-KR" sz="1600" dirty="0">
+              <a:latin typeface="+mn-ea"/>
+            </a:endParaRPr>
+          </a:p>
+          <a:p>
+            <a:pPr marL="0" indent="0">
+              <a:buNone/>
+              <a:defRPr/>
+            </a:pPr>
+            <a:endParaRPr lang="en-US" altLang="ko-KR" sz="1600" dirty="0">
+              <a:latin typeface="+mn-ea"/>
+            </a:endParaRPr>
+          </a:p>
+          <a:p>
+            <a:pPr marL="0" indent="0">
+              <a:buNone/>
+              <a:defRPr/>
+            </a:pPr>
+            <a:endParaRPr lang="en-US" altLang="ko-KR" sz="1600" dirty="0">
+              <a:latin typeface="+mn-ea"/>
+            </a:endParaRPr>
+          </a:p>
+          <a:p>
+            <a:pPr marL="0" indent="0">
+              <a:buNone/>
+              <a:defRPr/>
+            </a:pPr>
+            <a:endParaRPr lang="en-US" altLang="ko-KR" sz="1600" dirty="0">
+              <a:latin typeface="+mn-ea"/>
+            </a:endParaRPr>
+          </a:p>
+          <a:p>
+            <a:pPr marL="0" indent="0">
+              <a:buNone/>
+              <a:defRPr/>
+            </a:pPr>
+            <a:endParaRPr lang="en-US" altLang="ko-KR" sz="1600" dirty="0">
+              <a:latin typeface="+mn-ea"/>
+            </a:endParaRPr>
+          </a:p>
+          <a:p>
+            <a:pPr marL="0" indent="0">
+              <a:buNone/>
+              <a:defRPr/>
+            </a:pPr>
+            <a:endParaRPr lang="en-US" altLang="ko-KR" sz="1600" dirty="0">
+              <a:latin typeface="+mn-ea"/>
+            </a:endParaRPr>
+          </a:p>
+          <a:p>
+            <a:pPr marL="0" indent="0">
+              <a:buNone/>
+              <a:defRPr/>
+            </a:pPr>
+            <a:endParaRPr lang="en-US" altLang="ko-KR" sz="1600" dirty="0">
+              <a:latin typeface="+mn-ea"/>
+            </a:endParaRPr>
+          </a:p>
+          <a:p>
+            <a:pPr>
+              <a:buFont typeface="Wingdings" panose="05000000000000000000" pitchFamily="2" charset="2"/>
+              <a:buChar char="l"/>
+              <a:defRPr/>
+            </a:pPr>
+            <a:r>
+              <a:rPr lang="ko-KR" altLang="en-US" sz="1600" dirty="0">
+                <a:latin typeface="HY헤드라인M" panose="02030600000101010101" pitchFamily="18" charset="-127"/>
+                <a:ea typeface="HY헤드라인M" panose="02030600000101010101" pitchFamily="18" charset="-127"/>
+              </a:rPr>
+              <a:t>정보보호는</a:t>
+            </a:r>
+            <a:r>
+              <a:rPr lang="en-US" altLang="ko-KR" sz="1600" dirty="0">
+                <a:latin typeface="HY헤드라인M" panose="02030600000101010101" pitchFamily="18" charset="-127"/>
+                <a:ea typeface="HY헤드라인M" panose="02030600000101010101" pitchFamily="18" charset="-127"/>
+              </a:rPr>
+              <a:t> </a:t>
+            </a:r>
+            <a:r>
+              <a:rPr lang="ko-KR" altLang="en-US" sz="1600" dirty="0">
+                <a:latin typeface="HY헤드라인M" panose="02030600000101010101" pitchFamily="18" charset="-127"/>
+                <a:ea typeface="HY헤드라인M" panose="02030600000101010101" pitchFamily="18" charset="-127"/>
+              </a:rPr>
+              <a:t>우연히 혹은 의도적으로 허가 받지 않은 정보의 누출</a:t>
+            </a:r>
+            <a:r>
+              <a:rPr lang="en-US" altLang="ko-KR" sz="1600" dirty="0">
+                <a:latin typeface="HY헤드라인M" panose="02030600000101010101" pitchFamily="18" charset="-127"/>
+                <a:ea typeface="HY헤드라인M" panose="02030600000101010101" pitchFamily="18" charset="-127"/>
+              </a:rPr>
+              <a:t>, </a:t>
+            </a:r>
+            <a:r>
+              <a:rPr lang="ko-KR" altLang="en-US" sz="1600" dirty="0">
+                <a:latin typeface="HY헤드라인M" panose="02030600000101010101" pitchFamily="18" charset="-127"/>
+                <a:ea typeface="HY헤드라인M" panose="02030600000101010101" pitchFamily="18" charset="-127"/>
+              </a:rPr>
+              <a:t>전송</a:t>
+            </a:r>
+            <a:r>
+              <a:rPr lang="en-US" altLang="ko-KR" sz="1600" dirty="0">
+                <a:latin typeface="HY헤드라인M" panose="02030600000101010101" pitchFamily="18" charset="-127"/>
+                <a:ea typeface="HY헤드라인M" panose="02030600000101010101" pitchFamily="18" charset="-127"/>
+              </a:rPr>
+              <a:t>, </a:t>
+            </a:r>
+            <a:r>
+              <a:rPr lang="ko-KR" altLang="en-US" sz="1600" dirty="0">
+                <a:latin typeface="HY헤드라인M" panose="02030600000101010101" pitchFamily="18" charset="-127"/>
+                <a:ea typeface="HY헤드라인M" panose="02030600000101010101" pitchFamily="18" charset="-127"/>
+              </a:rPr>
+              <a:t>수정</a:t>
+            </a:r>
+            <a:r>
+              <a:rPr lang="en-US" altLang="ko-KR" sz="1600" dirty="0">
+                <a:latin typeface="HY헤드라인M" panose="02030600000101010101" pitchFamily="18" charset="-127"/>
+                <a:ea typeface="HY헤드라인M" panose="02030600000101010101" pitchFamily="18" charset="-127"/>
+              </a:rPr>
+              <a:t>, </a:t>
+            </a:r>
+            <a:r>
+              <a:rPr lang="ko-KR" altLang="en-US" sz="1600" dirty="0">
+                <a:latin typeface="HY헤드라인M" panose="02030600000101010101" pitchFamily="18" charset="-127"/>
+                <a:ea typeface="HY헤드라인M" panose="02030600000101010101" pitchFamily="18" charset="-127"/>
+              </a:rPr>
+              <a:t>파괴 등으로부터 보호 </a:t>
+            </a:r>
+            <a:r>
+              <a:rPr lang="ko-KR" altLang="en-US" sz="1600">
+                <a:latin typeface="HY헤드라인M" panose="02030600000101010101" pitchFamily="18" charset="-127"/>
+                <a:ea typeface="HY헤드라인M" panose="02030600000101010101" pitchFamily="18" charset="-127"/>
+              </a:rPr>
+              <a:t>하는 것</a:t>
+            </a:r>
+            <a:endParaRPr lang="en-US" altLang="ko-KR" sz="1600" dirty="0">
+              <a:latin typeface="HY헤드라인M" panose="02030600000101010101" pitchFamily="18" charset="-127"/>
+              <a:ea typeface="HY헤드라인M" panose="02030600000101010101" pitchFamily="18" charset="-127"/>
+            </a:endParaRPr>
+          </a:p>
+        </p:txBody>
+      </p:sp>
+      <p:pic>
+        <p:nvPicPr>
+          <p:cNvPr id="2" name="그림 1"/>
+          <p:cNvPicPr>
+            <a:picLocks noChangeAspect="1"/>
+          </p:cNvPicPr>
+          <p:nvPr/>
+        </p:nvPicPr>
+        <p:blipFill>
+          <a:blip r:embed="rId3"/>
+          <a:stretch>
+            <a:fillRect/>
+          </a:stretch>
+        </p:blipFill>
+        <p:spPr>
+          <a:xfrm>
+            <a:off x="2309786" y="2765474"/>
+            <a:ext cx="7848872" cy="2664296"/>
+          </a:xfrm>
+          <a:prstGeom prst="rect">
+            <a:avLst/>
+          </a:prstGeom>
+        </p:spPr>
+      </p:pic>
+      <p:sp>
+        <p:nvSpPr>
+          <p:cNvPr id="5" name="Rectangle 3"/>
+          <p:cNvSpPr>
+            <a:spLocks noChangeArrowheads="1"/>
+          </p:cNvSpPr>
+          <p:nvPr/>
+        </p:nvSpPr>
+        <p:spPr bwMode="auto">
+          <a:xfrm>
+            <a:off x="1820580" y="910152"/>
+            <a:ext cx="3376591" cy="400049"/>
+          </a:xfrm>
+          <a:prstGeom prst="rect">
+            <a:avLst/>
+          </a:prstGeom>
+          <a:noFill/>
+          <a:ln w="9525">
+            <a:noFill/>
+            <a:miter lim="800000"/>
+            <a:headEnd/>
+            <a:tailEnd/>
+          </a:ln>
+        </p:spPr>
+        <p:txBody>
+          <a:bodyPr/>
+          <a:lstStyle/>
+          <a:p>
+            <a:pPr marL="316531" indent="-316531" algn="ctr">
+              <a:spcBef>
+                <a:spcPct val="20000"/>
+              </a:spcBef>
+            </a:pPr>
+            <a:r>
+              <a:rPr lang="ko-KR" altLang="en-US" sz="1846" dirty="0">
+                <a:solidFill>
+                  <a:schemeClr val="bg1"/>
+                </a:solidFill>
+                <a:latin typeface="HY헤드라인M" pitchFamily="18" charset="-127"/>
+                <a:ea typeface="HY헤드라인M" pitchFamily="18" charset="-127"/>
+              </a:rPr>
+              <a:t>위험</a:t>
+            </a:r>
+            <a:r>
+              <a:rPr lang="en-US" altLang="ko-KR" sz="1846" dirty="0">
+                <a:solidFill>
+                  <a:schemeClr val="bg1"/>
+                </a:solidFill>
+                <a:latin typeface="HY헤드라인M" pitchFamily="18" charset="-127"/>
+                <a:ea typeface="HY헤드라인M" pitchFamily="18" charset="-127"/>
+              </a:rPr>
+              <a:t>(RISK)</a:t>
+            </a:r>
+            <a:r>
+              <a:rPr lang="ko-KR" altLang="en-US" sz="1846" dirty="0">
+                <a:solidFill>
+                  <a:schemeClr val="bg1"/>
+                </a:solidFill>
+                <a:latin typeface="HY헤드라인M" pitchFamily="18" charset="-127"/>
+                <a:ea typeface="HY헤드라인M" pitchFamily="18" charset="-127"/>
+              </a:rPr>
+              <a:t>이란</a:t>
+            </a:r>
+            <a:r>
+              <a:rPr lang="en-US" altLang="ko-KR" sz="1846" dirty="0">
+                <a:solidFill>
+                  <a:schemeClr val="bg1"/>
+                </a:solidFill>
+                <a:latin typeface="HY헤드라인M" pitchFamily="18" charset="-127"/>
+                <a:ea typeface="HY헤드라인M" pitchFamily="18" charset="-127"/>
+              </a:rPr>
+              <a:t>?</a:t>
+            </a:r>
+          </a:p>
+        </p:txBody>
+      </p:sp>
+      <p:grpSp>
+        <p:nvGrpSpPr>
+          <p:cNvPr id="6" name="Group 212"/>
+          <p:cNvGrpSpPr>
+            <a:grpSpLocks/>
+          </p:cNvGrpSpPr>
+          <p:nvPr/>
+        </p:nvGrpSpPr>
+        <p:grpSpPr bwMode="auto">
+          <a:xfrm>
+            <a:off x="1809572" y="1141159"/>
+            <a:ext cx="4502453" cy="593479"/>
+            <a:chOff x="985" y="571"/>
+            <a:chExt cx="3693" cy="405"/>
+          </a:xfrm>
+        </p:grpSpPr>
+        <p:sp>
+          <p:nvSpPr>
+            <p:cNvPr id="7" name="AutoShape 56"/>
+            <p:cNvSpPr>
+              <a:spLocks noChangeArrowheads="1"/>
+            </p:cNvSpPr>
+            <p:nvPr/>
+          </p:nvSpPr>
+          <p:spPr bwMode="auto">
+            <a:xfrm>
+              <a:off x="985" y="571"/>
+              <a:ext cx="3611" cy="344"/>
+            </a:xfrm>
+            <a:prstGeom prst="roundRect">
+              <a:avLst>
+                <a:gd name="adj" fmla="val 50000"/>
+              </a:avLst>
+            </a:prstGeom>
+            <a:gradFill rotWithShape="1">
+              <a:gsLst>
+                <a:gs pos="0">
+                  <a:srgbClr val="333399">
+                    <a:gamma/>
+                    <a:tint val="40392"/>
+                    <a:invGamma/>
+                  </a:srgbClr>
+                </a:gs>
+                <a:gs pos="100000">
+                  <a:srgbClr val="333399"/>
+                </a:gs>
+              </a:gsLst>
+              <a:lin ang="5400000" scaled="1"/>
+            </a:gradFill>
+            <a:ln w="9525">
+              <a:noFill/>
+              <a:round/>
+              <a:headEnd/>
+              <a:tailEnd/>
+            </a:ln>
+            <a:effectLst/>
+          </p:spPr>
+          <p:txBody>
+            <a:bodyPr wrap="none" anchor="ctr"/>
+            <a:lstStyle/>
+            <a:p>
+              <a:pPr algn="ctr">
+                <a:lnSpc>
+                  <a:spcPct val="130000"/>
+                </a:lnSpc>
+                <a:buFont typeface="Wingdings" pitchFamily="2" charset="2"/>
+                <a:buChar char="•"/>
+                <a:defRPr/>
+              </a:pPr>
+              <a:endParaRPr lang="ko-KR" altLang="en-US" sz="1292">
+                <a:solidFill>
+                  <a:schemeClr val="tx2"/>
+                </a:solidFill>
+                <a:effectLst>
+                  <a:outerShdw blurRad="38100" dist="38100" dir="2700000" algn="tl">
+                    <a:srgbClr val="000000">
+                      <a:alpha val="43137"/>
+                    </a:srgbClr>
+                  </a:outerShdw>
+                </a:effectLst>
+                <a:latin typeface="HY헤드라인M" pitchFamily="18" charset="-127"/>
+                <a:ea typeface="HY헤드라인M" pitchFamily="18" charset="-127"/>
+              </a:endParaRPr>
+            </a:p>
+          </p:txBody>
+        </p:sp>
+        <p:sp>
+          <p:nvSpPr>
+            <p:cNvPr id="8" name="Rectangle 3"/>
+            <p:cNvSpPr>
+              <a:spLocks noChangeArrowheads="1"/>
+            </p:cNvSpPr>
+            <p:nvPr/>
+          </p:nvSpPr>
+          <p:spPr bwMode="auto">
+            <a:xfrm>
+              <a:off x="997" y="572"/>
+              <a:ext cx="3681" cy="404"/>
+            </a:xfrm>
+            <a:prstGeom prst="rect">
+              <a:avLst/>
+            </a:prstGeom>
+            <a:noFill/>
+            <a:ln w="9525">
+              <a:noFill/>
+              <a:miter lim="800000"/>
+              <a:headEnd/>
+              <a:tailEnd/>
+            </a:ln>
+          </p:spPr>
+          <p:txBody>
+            <a:bodyPr/>
+            <a:lstStyle/>
+            <a:p>
+              <a:pPr marL="316531" indent="-316531" algn="ctr">
+                <a:spcBef>
+                  <a:spcPct val="20000"/>
+                </a:spcBef>
+              </a:pPr>
+              <a:r>
+                <a:rPr lang="ko-KR" altLang="en-US" sz="1846" dirty="0">
+                  <a:solidFill>
+                    <a:schemeClr val="bg1"/>
+                  </a:solidFill>
+                  <a:latin typeface="HY헤드라인M" pitchFamily="18" charset="-127"/>
+                  <a:ea typeface="HY헤드라인M" pitchFamily="18" charset="-127"/>
+                </a:rPr>
+                <a:t>정보보호</a:t>
+              </a:r>
+              <a:r>
+                <a:rPr lang="en-US" altLang="ko-KR" sz="1846" dirty="0">
+                  <a:solidFill>
+                    <a:schemeClr val="bg1"/>
+                  </a:solidFill>
+                  <a:latin typeface="HY헤드라인M" pitchFamily="18" charset="-127"/>
+                  <a:ea typeface="HY헤드라인M" pitchFamily="18" charset="-127"/>
+                </a:rPr>
+                <a:t>(Information Security)</a:t>
+              </a:r>
+              <a:r>
+                <a:rPr lang="ko-KR" altLang="en-US" sz="1846" dirty="0">
+                  <a:solidFill>
+                    <a:schemeClr val="bg1"/>
+                  </a:solidFill>
+                  <a:latin typeface="HY헤드라인M" pitchFamily="18" charset="-127"/>
+                  <a:ea typeface="HY헤드라인M" pitchFamily="18" charset="-127"/>
+                </a:rPr>
+                <a:t>란</a:t>
+              </a:r>
+              <a:r>
+                <a:rPr lang="en-US" altLang="ko-KR" sz="1846" dirty="0">
+                  <a:solidFill>
+                    <a:schemeClr val="bg1"/>
+                  </a:solidFill>
+                  <a:latin typeface="HY헤드라인M" pitchFamily="18" charset="-127"/>
+                  <a:ea typeface="HY헤드라인M" pitchFamily="18" charset="-127"/>
+                </a:rPr>
+                <a:t>?</a:t>
+              </a:r>
+            </a:p>
+          </p:txBody>
+        </p:sp>
+      </p:grpSp>
+      <p:sp>
+        <p:nvSpPr>
+          <p:cNvPr id="3" name="슬라이드 번호 개체 틀 2"/>
+          <p:cNvSpPr>
+            <a:spLocks noGrp="1"/>
+          </p:cNvSpPr>
+          <p:nvPr>
+            <p:ph type="sldNum" sz="quarter" idx="12"/>
+          </p:nvPr>
+        </p:nvSpPr>
+        <p:spPr/>
+        <p:txBody>
+          <a:bodyPr/>
+          <a:lstStyle/>
+          <a:p>
+            <a:pPr>
+              <a:defRPr/>
+            </a:pPr>
+            <a:fld id="{55E38E1A-DF08-4C1D-A43C-7DBA77D90342}" type="slidenum">
+              <a:rPr lang="ko-KR" altLang="en-US" smtClean="0"/>
+              <a:pPr>
+                <a:defRPr/>
+              </a:pPr>
+              <a:t>2</a:t>
+            </a:fld>
+            <a:endParaRPr lang="ko-KR" altLang="en-US" dirty="0"/>
+          </a:p>
+        </p:txBody>
+      </p:sp>
+      <p:sp>
+        <p:nvSpPr>
+          <p:cNvPr id="10" name="제목 1"/>
+          <p:cNvSpPr txBox="1">
+            <a:spLocks/>
+          </p:cNvSpPr>
+          <p:nvPr/>
+        </p:nvSpPr>
+        <p:spPr>
+          <a:xfrm>
+            <a:off x="1584664" y="153055"/>
+            <a:ext cx="8903825" cy="908720"/>
+          </a:xfrm>
+          <a:prstGeom prst="rect">
+            <a:avLst/>
+          </a:prstGeom>
+        </p:spPr>
+        <p:txBody>
+          <a:bodyPr>
+            <a:normAutofit/>
+          </a:bodyPr>
+          <a:lstStyle/>
+          <a:p>
+            <a:pPr>
+              <a:spcBef>
+                <a:spcPct val="0"/>
+              </a:spcBef>
+              <a:defRPr/>
+            </a:pPr>
+            <a:r>
+              <a:rPr lang="en-US" altLang="ko-KR" sz="3600" dirty="0">
+                <a:latin typeface="HY헤드라인M" pitchFamily="18" charset="-127"/>
+                <a:ea typeface="HY헤드라인M" pitchFamily="18" charset="-127"/>
+                <a:cs typeface="Arial Unicode MS" pitchFamily="50" charset="-127"/>
+              </a:rPr>
+              <a:t> 1. </a:t>
+            </a:r>
+            <a:r>
+              <a:rPr lang="ko-KR" altLang="en-US" sz="3600" dirty="0">
+                <a:latin typeface="HY헤드라인M" pitchFamily="18" charset="-127"/>
+                <a:ea typeface="HY헤드라인M" pitchFamily="18" charset="-127"/>
+                <a:cs typeface="Arial Unicode MS" pitchFamily="50" charset="-127"/>
+              </a:rPr>
+              <a:t>정보보호 목적</a:t>
+            </a:r>
+            <a:endParaRPr lang="ko-KR" altLang="en-US" sz="3600" dirty="0">
+              <a:solidFill>
+                <a:srgbClr val="FF0000"/>
+              </a:solidFill>
+              <a:latin typeface="HY헤드라인M" pitchFamily="18" charset="-127"/>
+              <a:ea typeface="HY헤드라인M" pitchFamily="18" charset="-127"/>
+              <a:cs typeface="Arial Unicode MS" pitchFamily="50" charset="-127"/>
+            </a:endParaRPr>
+          </a:p>
+        </p:txBody>
+      </p:sp>
+    </p:spTree>
+    <p:extLst>
+      <p:ext uri="{BB962C8B-B14F-4D97-AF65-F5344CB8AC3E}">
+        <p14:creationId xmlns:p14="http://schemas.microsoft.com/office/powerpoint/2010/main" val="3557244366"/>
+      </p:ext>
+    </p:extLst>
+  </p:cSld>
+  <p:clrMapOvr>
+    <a:masterClrMapping/>
+  </p:clrMapOvr>
+</p:sld>
+</file>
+
+<file path=ppt/slides/slide20.xml><?xml version="1.0" encoding="utf-8"?>
 <p:sld xmlns:a="http://schemas.openxmlformats.org/drawingml/2006/main" xmlns:r="http://schemas.openxmlformats.org/officeDocument/2006/relationships" xmlns:p="http://schemas.openxmlformats.org/presentationml/2006/main">
   <p:cSld>
     <p:spTree>
@@ -14640,7 +15554,7 @@
               <a:pPr>
                 <a:defRPr/>
               </a:pPr>
-              <a:t>19</a:t>
+              <a:t>20</a:t>
             </a:fld>
             <a:endParaRPr lang="ko-KR" altLang="en-US" dirty="0"/>
           </a:p>
@@ -15246,844 +16160,7 @@
 </p:sld>
 </file>
 
-<file path=ppt/slides/slide2.xml><?xml version="1.0" encoding="utf-8"?>
-<p:sld xmlns:a="http://schemas.openxmlformats.org/drawingml/2006/main" xmlns:r="http://schemas.openxmlformats.org/officeDocument/2006/relationships" xmlns:p="http://schemas.openxmlformats.org/presentationml/2006/main">
-  <p:cSld>
-    <p:spTree>
-      <p:nvGrpSpPr>
-        <p:cNvPr id="1" name=""/>
-        <p:cNvGrpSpPr/>
-        <p:nvPr/>
-      </p:nvGrpSpPr>
-      <p:grpSpPr>
-        <a:xfrm>
-          <a:off x="0" y="0"/>
-          <a:ext cx="0" cy="0"/>
-          <a:chOff x="0" y="0"/>
-          <a:chExt cx="0" cy="0"/>
-        </a:xfrm>
-      </p:grpSpPr>
-      <p:sp>
-        <p:nvSpPr>
-          <p:cNvPr id="13" name="내용 개체 틀 5"/>
-          <p:cNvSpPr txBox="1">
-            <a:spLocks/>
-          </p:cNvSpPr>
-          <p:nvPr/>
-        </p:nvSpPr>
-        <p:spPr>
-          <a:xfrm>
-            <a:off x="1875284" y="1692668"/>
-            <a:ext cx="8469188" cy="4882390"/>
-          </a:xfrm>
-          <a:prstGeom prst="rect">
-            <a:avLst/>
-          </a:prstGeom>
-        </p:spPr>
-        <p:txBody>
-          <a:bodyPr>
-            <a:noAutofit/>
-          </a:bodyPr>
-          <a:lstStyle>
-            <a:lvl1pPr marL="342900" indent="-342900" algn="l" defTabSz="914400" rtl="0" eaLnBrk="1" latinLnBrk="1" hangingPunct="1">
-              <a:spcBef>
-                <a:spcPct val="20000"/>
-              </a:spcBef>
-              <a:buFont typeface="Arial" pitchFamily="34" charset="0"/>
-              <a:buChar char="•"/>
-              <a:defRPr sz="3200" kern="1200">
-                <a:solidFill>
-                  <a:schemeClr val="tx1"/>
-                </a:solidFill>
-                <a:latin typeface="+mn-lt"/>
-                <a:ea typeface="+mn-ea"/>
-                <a:cs typeface="+mn-cs"/>
-              </a:defRPr>
-            </a:lvl1pPr>
-            <a:lvl2pPr marL="742950" indent="-285750" algn="l" defTabSz="914400" rtl="0" eaLnBrk="1" latinLnBrk="1" hangingPunct="1">
-              <a:spcBef>
-                <a:spcPct val="20000"/>
-              </a:spcBef>
-              <a:buFont typeface="Arial" pitchFamily="34" charset="0"/>
-              <a:buChar char="–"/>
-              <a:defRPr sz="2800" kern="1200">
-                <a:solidFill>
-                  <a:schemeClr val="tx1"/>
-                </a:solidFill>
-                <a:latin typeface="+mn-lt"/>
-                <a:ea typeface="+mn-ea"/>
-                <a:cs typeface="+mn-cs"/>
-              </a:defRPr>
-            </a:lvl2pPr>
-            <a:lvl3pPr marL="1143000" indent="-228600" algn="l" defTabSz="914400" rtl="0" eaLnBrk="1" latinLnBrk="1" hangingPunct="1">
-              <a:spcBef>
-                <a:spcPct val="20000"/>
-              </a:spcBef>
-              <a:buFont typeface="Arial" pitchFamily="34" charset="0"/>
-              <a:buChar char="•"/>
-              <a:defRPr sz="2400" kern="1200">
-                <a:solidFill>
-                  <a:schemeClr val="tx1"/>
-                </a:solidFill>
-                <a:latin typeface="+mn-lt"/>
-                <a:ea typeface="+mn-ea"/>
-                <a:cs typeface="+mn-cs"/>
-              </a:defRPr>
-            </a:lvl3pPr>
-            <a:lvl4pPr marL="1600200" indent="-228600" algn="l" defTabSz="914400" rtl="0" eaLnBrk="1" latinLnBrk="1" hangingPunct="1">
-              <a:spcBef>
-                <a:spcPct val="20000"/>
-              </a:spcBef>
-              <a:buFont typeface="Arial" pitchFamily="34" charset="0"/>
-              <a:buChar char="–"/>
-              <a:defRPr sz="2000" kern="1200">
-                <a:solidFill>
-                  <a:schemeClr val="tx1"/>
-                </a:solidFill>
-                <a:latin typeface="+mn-lt"/>
-                <a:ea typeface="+mn-ea"/>
-                <a:cs typeface="+mn-cs"/>
-              </a:defRPr>
-            </a:lvl4pPr>
-            <a:lvl5pPr marL="2057400" indent="-228600" algn="l" defTabSz="914400" rtl="0" eaLnBrk="1" latinLnBrk="1" hangingPunct="1">
-              <a:spcBef>
-                <a:spcPct val="20000"/>
-              </a:spcBef>
-              <a:buFont typeface="Arial" pitchFamily="34" charset="0"/>
-              <a:buChar char="»"/>
-              <a:defRPr sz="2000" kern="1200">
-                <a:solidFill>
-                  <a:schemeClr val="tx1"/>
-                </a:solidFill>
-                <a:latin typeface="+mn-lt"/>
-                <a:ea typeface="+mn-ea"/>
-                <a:cs typeface="+mn-cs"/>
-              </a:defRPr>
-            </a:lvl5pPr>
-            <a:lvl6pPr marL="2514600" indent="-228600" algn="l" defTabSz="914400" rtl="0" eaLnBrk="1" latinLnBrk="1" hangingPunct="1">
-              <a:spcBef>
-                <a:spcPct val="20000"/>
-              </a:spcBef>
-              <a:buFont typeface="Arial" pitchFamily="34" charset="0"/>
-              <a:buChar char="•"/>
-              <a:defRPr sz="2000" kern="1200">
-                <a:solidFill>
-                  <a:schemeClr val="tx1"/>
-                </a:solidFill>
-                <a:latin typeface="+mn-lt"/>
-                <a:ea typeface="+mn-ea"/>
-                <a:cs typeface="+mn-cs"/>
-              </a:defRPr>
-            </a:lvl6pPr>
-            <a:lvl7pPr marL="2971800" indent="-228600" algn="l" defTabSz="914400" rtl="0" eaLnBrk="1" latinLnBrk="1" hangingPunct="1">
-              <a:spcBef>
-                <a:spcPct val="20000"/>
-              </a:spcBef>
-              <a:buFont typeface="Arial" pitchFamily="34" charset="0"/>
-              <a:buChar char="•"/>
-              <a:defRPr sz="2000" kern="1200">
-                <a:solidFill>
-                  <a:schemeClr val="tx1"/>
-                </a:solidFill>
-                <a:latin typeface="+mn-lt"/>
-                <a:ea typeface="+mn-ea"/>
-                <a:cs typeface="+mn-cs"/>
-              </a:defRPr>
-            </a:lvl7pPr>
-            <a:lvl8pPr marL="3429000" indent="-228600" algn="l" defTabSz="914400" rtl="0" eaLnBrk="1" latinLnBrk="1" hangingPunct="1">
-              <a:spcBef>
-                <a:spcPct val="20000"/>
-              </a:spcBef>
-              <a:buFont typeface="Arial" pitchFamily="34" charset="0"/>
-              <a:buChar char="•"/>
-              <a:defRPr sz="2000" kern="1200">
-                <a:solidFill>
-                  <a:schemeClr val="tx1"/>
-                </a:solidFill>
-                <a:latin typeface="+mn-lt"/>
-                <a:ea typeface="+mn-ea"/>
-                <a:cs typeface="+mn-cs"/>
-              </a:defRPr>
-            </a:lvl8pPr>
-            <a:lvl9pPr marL="3886200" indent="-228600" algn="l" defTabSz="914400" rtl="0" eaLnBrk="1" latinLnBrk="1" hangingPunct="1">
-              <a:spcBef>
-                <a:spcPct val="20000"/>
-              </a:spcBef>
-              <a:buFont typeface="Arial" pitchFamily="34" charset="0"/>
-              <a:buChar char="•"/>
-              <a:defRPr sz="2000" kern="1200">
-                <a:solidFill>
-                  <a:schemeClr val="tx1"/>
-                </a:solidFill>
-                <a:latin typeface="+mn-lt"/>
-                <a:ea typeface="+mn-ea"/>
-                <a:cs typeface="+mn-cs"/>
-              </a:defRPr>
-            </a:lvl9pPr>
-          </a:lstStyle>
-          <a:p>
-            <a:pPr>
-              <a:buFont typeface="Wingdings" panose="05000000000000000000" pitchFamily="2" charset="2"/>
-              <a:buChar char="l"/>
-              <a:defRPr/>
-            </a:pPr>
-            <a:r>
-              <a:rPr lang="ko-KR" altLang="en-US" sz="1600" dirty="0">
-                <a:latin typeface="HY헤드라인M" panose="02030600000101010101" pitchFamily="18" charset="-127"/>
-                <a:ea typeface="HY헤드라인M" panose="02030600000101010101" pitchFamily="18" charset="-127"/>
-              </a:rPr>
-              <a:t>일반적 정의 </a:t>
-            </a:r>
-            <a:r>
-              <a:rPr lang="en-US" altLang="ko-KR" sz="1600" dirty="0">
-                <a:latin typeface="HY헤드라인M" panose="02030600000101010101" pitchFamily="18" charset="-127"/>
-                <a:ea typeface="HY헤드라인M" panose="02030600000101010101" pitchFamily="18" charset="-127"/>
-              </a:rPr>
-              <a:t>: </a:t>
-            </a:r>
-            <a:r>
-              <a:rPr lang="ko-KR" altLang="en-US" sz="1600" dirty="0">
-                <a:latin typeface="HY헤드라인M" panose="02030600000101010101" pitchFamily="18" charset="-127"/>
-                <a:ea typeface="HY헤드라인M" panose="02030600000101010101" pitchFamily="18" charset="-127"/>
-              </a:rPr>
-              <a:t>기업의 중요한 정보를 안전하게 보호하기 위해 정보의 기밀성</a:t>
-            </a:r>
-            <a:r>
-              <a:rPr lang="en-US" altLang="ko-KR" sz="1600" dirty="0">
-                <a:latin typeface="HY헤드라인M" panose="02030600000101010101" pitchFamily="18" charset="-127"/>
-                <a:ea typeface="HY헤드라인M" panose="02030600000101010101" pitchFamily="18" charset="-127"/>
-              </a:rPr>
-              <a:t>, </a:t>
-            </a:r>
-            <a:r>
-              <a:rPr lang="ko-KR" altLang="en-US" sz="1600" dirty="0" err="1">
-                <a:latin typeface="HY헤드라인M" panose="02030600000101010101" pitchFamily="18" charset="-127"/>
-                <a:ea typeface="HY헤드라인M" panose="02030600000101010101" pitchFamily="18" charset="-127"/>
-              </a:rPr>
-              <a:t>무결성</a:t>
-            </a:r>
-            <a:r>
-              <a:rPr lang="en-US" altLang="ko-KR" sz="1600" dirty="0">
-                <a:latin typeface="HY헤드라인M" panose="02030600000101010101" pitchFamily="18" charset="-127"/>
-                <a:ea typeface="HY헤드라인M" panose="02030600000101010101" pitchFamily="18" charset="-127"/>
-              </a:rPr>
-              <a:t>, </a:t>
-            </a:r>
-          </a:p>
-          <a:p>
-            <a:pPr marL="0" indent="0">
-              <a:buNone/>
-            </a:pPr>
-            <a:r>
-              <a:rPr lang="en-US" altLang="ko-KR" sz="1600" dirty="0">
-                <a:latin typeface="HY헤드라인M" panose="02030600000101010101" pitchFamily="18" charset="-127"/>
-                <a:ea typeface="HY헤드라인M" panose="02030600000101010101" pitchFamily="18" charset="-127"/>
-              </a:rPr>
-              <a:t>     </a:t>
-            </a:r>
-            <a:r>
-              <a:rPr lang="ko-KR" altLang="en-US" sz="1600" dirty="0">
-                <a:latin typeface="HY헤드라인M" panose="02030600000101010101" pitchFamily="18" charset="-127"/>
-                <a:ea typeface="HY헤드라인M" panose="02030600000101010101" pitchFamily="18" charset="-127"/>
-              </a:rPr>
-              <a:t>가용성을 만족할 수 있도록 기술적</a:t>
-            </a:r>
-            <a:r>
-              <a:rPr lang="en-US" altLang="ko-KR" sz="1600" dirty="0">
-                <a:latin typeface="HY헤드라인M" panose="02030600000101010101" pitchFamily="18" charset="-127"/>
-                <a:ea typeface="HY헤드라인M" panose="02030600000101010101" pitchFamily="18" charset="-127"/>
-              </a:rPr>
-              <a:t>, </a:t>
-            </a:r>
-            <a:r>
-              <a:rPr lang="ko-KR" altLang="en-US" sz="1600" dirty="0">
-                <a:latin typeface="HY헤드라인M" panose="02030600000101010101" pitchFamily="18" charset="-127"/>
-                <a:ea typeface="HY헤드라인M" panose="02030600000101010101" pitchFamily="18" charset="-127"/>
-              </a:rPr>
-              <a:t>관리적</a:t>
-            </a:r>
-            <a:r>
-              <a:rPr lang="en-US" altLang="ko-KR" sz="1600" dirty="0">
-                <a:latin typeface="HY헤드라인M" panose="02030600000101010101" pitchFamily="18" charset="-127"/>
-                <a:ea typeface="HY헤드라인M" panose="02030600000101010101" pitchFamily="18" charset="-127"/>
-              </a:rPr>
-              <a:t>, </a:t>
-            </a:r>
-            <a:r>
-              <a:rPr lang="ko-KR" altLang="en-US" sz="1600" dirty="0">
-                <a:latin typeface="HY헤드라인M" panose="02030600000101010101" pitchFamily="18" charset="-127"/>
-                <a:ea typeface="HY헤드라인M" panose="02030600000101010101" pitchFamily="18" charset="-127"/>
-              </a:rPr>
-              <a:t>물리적 보호조치를 강구하는 것</a:t>
-            </a:r>
-            <a:endParaRPr lang="en-US" altLang="ko-KR" sz="1600" dirty="0">
-              <a:latin typeface="HY헤드라인M" panose="02030600000101010101" pitchFamily="18" charset="-127"/>
-              <a:ea typeface="HY헤드라인M" panose="02030600000101010101" pitchFamily="18" charset="-127"/>
-            </a:endParaRPr>
-          </a:p>
-          <a:p>
-            <a:pPr marL="0" indent="0">
-              <a:buNone/>
-            </a:pPr>
-            <a:endParaRPr lang="en-US" altLang="ko-KR" sz="600" dirty="0">
-              <a:latin typeface="HY헤드라인M" panose="02030600000101010101" pitchFamily="18" charset="-127"/>
-              <a:ea typeface="HY헤드라인M" panose="02030600000101010101" pitchFamily="18" charset="-127"/>
-            </a:endParaRPr>
-          </a:p>
-          <a:p>
-            <a:pPr>
-              <a:buFont typeface="Wingdings" panose="05000000000000000000" pitchFamily="2" charset="2"/>
-              <a:buChar char="l"/>
-            </a:pPr>
-            <a:r>
-              <a:rPr lang="ko-KR" altLang="en-US" sz="1600" dirty="0">
-                <a:latin typeface="HY헤드라인M" panose="02030600000101010101" pitchFamily="18" charset="-127"/>
-                <a:ea typeface="HY헤드라인M" panose="02030600000101010101" pitchFamily="18" charset="-127"/>
-              </a:rPr>
-              <a:t>법률적 정의 </a:t>
-            </a:r>
-            <a:r>
-              <a:rPr lang="en-US" altLang="ko-KR" sz="1600" dirty="0">
-                <a:latin typeface="HY헤드라인M" panose="02030600000101010101" pitchFamily="18" charset="-127"/>
-                <a:ea typeface="HY헤드라인M" panose="02030600000101010101" pitchFamily="18" charset="-127"/>
-              </a:rPr>
-              <a:t>:</a:t>
-            </a:r>
-          </a:p>
-          <a:p>
-            <a:pPr marL="0" indent="0">
-              <a:buNone/>
-            </a:pPr>
-            <a:endParaRPr lang="en-US" altLang="ko-KR" sz="1600" dirty="0">
-              <a:latin typeface="+mn-ea"/>
-            </a:endParaRPr>
-          </a:p>
-          <a:p>
-            <a:pPr marL="0" indent="0">
-              <a:buNone/>
-              <a:defRPr/>
-            </a:pPr>
-            <a:endParaRPr lang="en-US" altLang="ko-KR" sz="1600" dirty="0">
-              <a:latin typeface="+mn-ea"/>
-            </a:endParaRPr>
-          </a:p>
-          <a:p>
-            <a:pPr marL="0" indent="0">
-              <a:buNone/>
-              <a:defRPr/>
-            </a:pPr>
-            <a:endParaRPr lang="en-US" altLang="ko-KR" sz="1600" dirty="0">
-              <a:latin typeface="+mn-ea"/>
-            </a:endParaRPr>
-          </a:p>
-          <a:p>
-            <a:pPr marL="0" indent="0">
-              <a:buNone/>
-              <a:defRPr/>
-            </a:pPr>
-            <a:endParaRPr lang="en-US" altLang="ko-KR" sz="1600" dirty="0">
-              <a:latin typeface="+mn-ea"/>
-            </a:endParaRPr>
-          </a:p>
-          <a:p>
-            <a:pPr marL="0" indent="0">
-              <a:buNone/>
-              <a:defRPr/>
-            </a:pPr>
-            <a:endParaRPr lang="en-US" altLang="ko-KR" sz="1600" dirty="0">
-              <a:latin typeface="+mn-ea"/>
-            </a:endParaRPr>
-          </a:p>
-          <a:p>
-            <a:pPr marL="0" indent="0">
-              <a:buNone/>
-              <a:defRPr/>
-            </a:pPr>
-            <a:endParaRPr lang="en-US" altLang="ko-KR" sz="1600" dirty="0">
-              <a:latin typeface="+mn-ea"/>
-            </a:endParaRPr>
-          </a:p>
-          <a:p>
-            <a:pPr marL="0" indent="0">
-              <a:buNone/>
-              <a:defRPr/>
-            </a:pPr>
-            <a:endParaRPr lang="en-US" altLang="ko-KR" sz="1600" dirty="0">
-              <a:latin typeface="+mn-ea"/>
-            </a:endParaRPr>
-          </a:p>
-          <a:p>
-            <a:pPr marL="0" indent="0">
-              <a:buNone/>
-              <a:defRPr/>
-            </a:pPr>
-            <a:endParaRPr lang="en-US" altLang="ko-KR" sz="1600" dirty="0">
-              <a:latin typeface="+mn-ea"/>
-            </a:endParaRPr>
-          </a:p>
-          <a:p>
-            <a:pPr marL="0" indent="0">
-              <a:buNone/>
-              <a:defRPr/>
-            </a:pPr>
-            <a:endParaRPr lang="en-US" altLang="ko-KR" sz="1600" dirty="0">
-              <a:latin typeface="+mn-ea"/>
-            </a:endParaRPr>
-          </a:p>
-          <a:p>
-            <a:pPr marL="0" indent="0">
-              <a:buNone/>
-              <a:defRPr/>
-            </a:pPr>
-            <a:endParaRPr lang="en-US" altLang="ko-KR" sz="1600" dirty="0">
-              <a:latin typeface="+mn-ea"/>
-            </a:endParaRPr>
-          </a:p>
-          <a:p>
-            <a:pPr>
-              <a:buFont typeface="Wingdings" panose="05000000000000000000" pitchFamily="2" charset="2"/>
-              <a:buChar char="l"/>
-              <a:defRPr/>
-            </a:pPr>
-            <a:r>
-              <a:rPr lang="ko-KR" altLang="en-US" sz="1600" dirty="0">
-                <a:latin typeface="HY헤드라인M" panose="02030600000101010101" pitchFamily="18" charset="-127"/>
-                <a:ea typeface="HY헤드라인M" panose="02030600000101010101" pitchFamily="18" charset="-127"/>
-              </a:rPr>
-              <a:t>정보보호는</a:t>
-            </a:r>
-            <a:r>
-              <a:rPr lang="en-US" altLang="ko-KR" sz="1600" dirty="0">
-                <a:latin typeface="HY헤드라인M" panose="02030600000101010101" pitchFamily="18" charset="-127"/>
-                <a:ea typeface="HY헤드라인M" panose="02030600000101010101" pitchFamily="18" charset="-127"/>
-              </a:rPr>
-              <a:t> </a:t>
-            </a:r>
-            <a:r>
-              <a:rPr lang="ko-KR" altLang="en-US" sz="1600" dirty="0">
-                <a:latin typeface="HY헤드라인M" panose="02030600000101010101" pitchFamily="18" charset="-127"/>
-                <a:ea typeface="HY헤드라인M" panose="02030600000101010101" pitchFamily="18" charset="-127"/>
-              </a:rPr>
-              <a:t>우연히 혹은 의도적으로 허가 받지 않은 정보의 누출</a:t>
-            </a:r>
-            <a:r>
-              <a:rPr lang="en-US" altLang="ko-KR" sz="1600" dirty="0">
-                <a:latin typeface="HY헤드라인M" panose="02030600000101010101" pitchFamily="18" charset="-127"/>
-                <a:ea typeface="HY헤드라인M" panose="02030600000101010101" pitchFamily="18" charset="-127"/>
-              </a:rPr>
-              <a:t>, </a:t>
-            </a:r>
-            <a:r>
-              <a:rPr lang="ko-KR" altLang="en-US" sz="1600" dirty="0">
-                <a:latin typeface="HY헤드라인M" panose="02030600000101010101" pitchFamily="18" charset="-127"/>
-                <a:ea typeface="HY헤드라인M" panose="02030600000101010101" pitchFamily="18" charset="-127"/>
-              </a:rPr>
-              <a:t>전송</a:t>
-            </a:r>
-            <a:r>
-              <a:rPr lang="en-US" altLang="ko-KR" sz="1600" dirty="0">
-                <a:latin typeface="HY헤드라인M" panose="02030600000101010101" pitchFamily="18" charset="-127"/>
-                <a:ea typeface="HY헤드라인M" panose="02030600000101010101" pitchFamily="18" charset="-127"/>
-              </a:rPr>
-              <a:t>, </a:t>
-            </a:r>
-            <a:r>
-              <a:rPr lang="ko-KR" altLang="en-US" sz="1600" dirty="0">
-                <a:latin typeface="HY헤드라인M" panose="02030600000101010101" pitchFamily="18" charset="-127"/>
-                <a:ea typeface="HY헤드라인M" panose="02030600000101010101" pitchFamily="18" charset="-127"/>
-              </a:rPr>
-              <a:t>수정</a:t>
-            </a:r>
-            <a:r>
-              <a:rPr lang="en-US" altLang="ko-KR" sz="1600" dirty="0">
-                <a:latin typeface="HY헤드라인M" panose="02030600000101010101" pitchFamily="18" charset="-127"/>
-                <a:ea typeface="HY헤드라인M" panose="02030600000101010101" pitchFamily="18" charset="-127"/>
-              </a:rPr>
-              <a:t>, </a:t>
-            </a:r>
-            <a:r>
-              <a:rPr lang="ko-KR" altLang="en-US" sz="1600" dirty="0">
-                <a:latin typeface="HY헤드라인M" panose="02030600000101010101" pitchFamily="18" charset="-127"/>
-                <a:ea typeface="HY헤드라인M" panose="02030600000101010101" pitchFamily="18" charset="-127"/>
-              </a:rPr>
-              <a:t>파괴 등으로부터 보호 </a:t>
-            </a:r>
-            <a:r>
-              <a:rPr lang="ko-KR" altLang="en-US" sz="1600">
-                <a:latin typeface="HY헤드라인M" panose="02030600000101010101" pitchFamily="18" charset="-127"/>
-                <a:ea typeface="HY헤드라인M" panose="02030600000101010101" pitchFamily="18" charset="-127"/>
-              </a:rPr>
-              <a:t>하는 것</a:t>
-            </a:r>
-            <a:endParaRPr lang="en-US" altLang="ko-KR" sz="1600" dirty="0">
-              <a:latin typeface="HY헤드라인M" panose="02030600000101010101" pitchFamily="18" charset="-127"/>
-              <a:ea typeface="HY헤드라인M" panose="02030600000101010101" pitchFamily="18" charset="-127"/>
-            </a:endParaRPr>
-          </a:p>
-        </p:txBody>
-      </p:sp>
-      <p:pic>
-        <p:nvPicPr>
-          <p:cNvPr id="2" name="그림 1"/>
-          <p:cNvPicPr>
-            <a:picLocks noChangeAspect="1"/>
-          </p:cNvPicPr>
-          <p:nvPr/>
-        </p:nvPicPr>
-        <p:blipFill>
-          <a:blip r:embed="rId3"/>
-          <a:stretch>
-            <a:fillRect/>
-          </a:stretch>
-        </p:blipFill>
-        <p:spPr>
-          <a:xfrm>
-            <a:off x="2309786" y="2765474"/>
-            <a:ext cx="7848872" cy="2664296"/>
-          </a:xfrm>
-          <a:prstGeom prst="rect">
-            <a:avLst/>
-          </a:prstGeom>
-        </p:spPr>
-      </p:pic>
-      <p:sp>
-        <p:nvSpPr>
-          <p:cNvPr id="5" name="Rectangle 3"/>
-          <p:cNvSpPr>
-            <a:spLocks noChangeArrowheads="1"/>
-          </p:cNvSpPr>
-          <p:nvPr/>
-        </p:nvSpPr>
-        <p:spPr bwMode="auto">
-          <a:xfrm>
-            <a:off x="1820580" y="910152"/>
-            <a:ext cx="3376591" cy="400049"/>
-          </a:xfrm>
-          <a:prstGeom prst="rect">
-            <a:avLst/>
-          </a:prstGeom>
-          <a:noFill/>
-          <a:ln w="9525">
-            <a:noFill/>
-            <a:miter lim="800000"/>
-            <a:headEnd/>
-            <a:tailEnd/>
-          </a:ln>
-        </p:spPr>
-        <p:txBody>
-          <a:bodyPr/>
-          <a:lstStyle/>
-          <a:p>
-            <a:pPr marL="316531" indent="-316531" algn="ctr">
-              <a:spcBef>
-                <a:spcPct val="20000"/>
-              </a:spcBef>
-            </a:pPr>
-            <a:r>
-              <a:rPr lang="ko-KR" altLang="en-US" sz="1846" dirty="0">
-                <a:solidFill>
-                  <a:schemeClr val="bg1"/>
-                </a:solidFill>
-                <a:latin typeface="HY헤드라인M" pitchFamily="18" charset="-127"/>
-                <a:ea typeface="HY헤드라인M" pitchFamily="18" charset="-127"/>
-              </a:rPr>
-              <a:t>위험</a:t>
-            </a:r>
-            <a:r>
-              <a:rPr lang="en-US" altLang="ko-KR" sz="1846" dirty="0">
-                <a:solidFill>
-                  <a:schemeClr val="bg1"/>
-                </a:solidFill>
-                <a:latin typeface="HY헤드라인M" pitchFamily="18" charset="-127"/>
-                <a:ea typeface="HY헤드라인M" pitchFamily="18" charset="-127"/>
-              </a:rPr>
-              <a:t>(RISK)</a:t>
-            </a:r>
-            <a:r>
-              <a:rPr lang="ko-KR" altLang="en-US" sz="1846" dirty="0">
-                <a:solidFill>
-                  <a:schemeClr val="bg1"/>
-                </a:solidFill>
-                <a:latin typeface="HY헤드라인M" pitchFamily="18" charset="-127"/>
-                <a:ea typeface="HY헤드라인M" pitchFamily="18" charset="-127"/>
-              </a:rPr>
-              <a:t>이란</a:t>
-            </a:r>
-            <a:r>
-              <a:rPr lang="en-US" altLang="ko-KR" sz="1846" dirty="0">
-                <a:solidFill>
-                  <a:schemeClr val="bg1"/>
-                </a:solidFill>
-                <a:latin typeface="HY헤드라인M" pitchFamily="18" charset="-127"/>
-                <a:ea typeface="HY헤드라인M" pitchFamily="18" charset="-127"/>
-              </a:rPr>
-              <a:t>?</a:t>
-            </a:r>
-          </a:p>
-        </p:txBody>
-      </p:sp>
-      <p:grpSp>
-        <p:nvGrpSpPr>
-          <p:cNvPr id="6" name="Group 212"/>
-          <p:cNvGrpSpPr>
-            <a:grpSpLocks/>
-          </p:cNvGrpSpPr>
-          <p:nvPr/>
-        </p:nvGrpSpPr>
-        <p:grpSpPr bwMode="auto">
-          <a:xfrm>
-            <a:off x="1809572" y="1141159"/>
-            <a:ext cx="4502453" cy="593479"/>
-            <a:chOff x="985" y="571"/>
-            <a:chExt cx="3693" cy="405"/>
-          </a:xfrm>
-        </p:grpSpPr>
-        <p:sp>
-          <p:nvSpPr>
-            <p:cNvPr id="7" name="AutoShape 56"/>
-            <p:cNvSpPr>
-              <a:spLocks noChangeArrowheads="1"/>
-            </p:cNvSpPr>
-            <p:nvPr/>
-          </p:nvSpPr>
-          <p:spPr bwMode="auto">
-            <a:xfrm>
-              <a:off x="985" y="571"/>
-              <a:ext cx="3611" cy="344"/>
-            </a:xfrm>
-            <a:prstGeom prst="roundRect">
-              <a:avLst>
-                <a:gd name="adj" fmla="val 50000"/>
-              </a:avLst>
-            </a:prstGeom>
-            <a:gradFill rotWithShape="1">
-              <a:gsLst>
-                <a:gs pos="0">
-                  <a:srgbClr val="333399">
-                    <a:gamma/>
-                    <a:tint val="40392"/>
-                    <a:invGamma/>
-                  </a:srgbClr>
-                </a:gs>
-                <a:gs pos="100000">
-                  <a:srgbClr val="333399"/>
-                </a:gs>
-              </a:gsLst>
-              <a:lin ang="5400000" scaled="1"/>
-            </a:gradFill>
-            <a:ln w="9525">
-              <a:noFill/>
-              <a:round/>
-              <a:headEnd/>
-              <a:tailEnd/>
-            </a:ln>
-            <a:effectLst/>
-          </p:spPr>
-          <p:txBody>
-            <a:bodyPr wrap="none" anchor="ctr"/>
-            <a:lstStyle/>
-            <a:p>
-              <a:pPr algn="ctr">
-                <a:lnSpc>
-                  <a:spcPct val="130000"/>
-                </a:lnSpc>
-                <a:buFont typeface="Wingdings" pitchFamily="2" charset="2"/>
-                <a:buChar char="•"/>
-                <a:defRPr/>
-              </a:pPr>
-              <a:endParaRPr lang="ko-KR" altLang="en-US" sz="1292">
-                <a:solidFill>
-                  <a:schemeClr val="tx2"/>
-                </a:solidFill>
-                <a:effectLst>
-                  <a:outerShdw blurRad="38100" dist="38100" dir="2700000" algn="tl">
-                    <a:srgbClr val="000000">
-                      <a:alpha val="43137"/>
-                    </a:srgbClr>
-                  </a:outerShdw>
-                </a:effectLst>
-                <a:latin typeface="HY헤드라인M" pitchFamily="18" charset="-127"/>
-                <a:ea typeface="HY헤드라인M" pitchFamily="18" charset="-127"/>
-              </a:endParaRPr>
-            </a:p>
-          </p:txBody>
-        </p:sp>
-        <p:sp>
-          <p:nvSpPr>
-            <p:cNvPr id="8" name="Rectangle 3"/>
-            <p:cNvSpPr>
-              <a:spLocks noChangeArrowheads="1"/>
-            </p:cNvSpPr>
-            <p:nvPr/>
-          </p:nvSpPr>
-          <p:spPr bwMode="auto">
-            <a:xfrm>
-              <a:off x="997" y="572"/>
-              <a:ext cx="3681" cy="404"/>
-            </a:xfrm>
-            <a:prstGeom prst="rect">
-              <a:avLst/>
-            </a:prstGeom>
-            <a:noFill/>
-            <a:ln w="9525">
-              <a:noFill/>
-              <a:miter lim="800000"/>
-              <a:headEnd/>
-              <a:tailEnd/>
-            </a:ln>
-          </p:spPr>
-          <p:txBody>
-            <a:bodyPr/>
-            <a:lstStyle/>
-            <a:p>
-              <a:pPr marL="316531" indent="-316531" algn="ctr">
-                <a:spcBef>
-                  <a:spcPct val="20000"/>
-                </a:spcBef>
-              </a:pPr>
-              <a:r>
-                <a:rPr lang="ko-KR" altLang="en-US" sz="1846" dirty="0">
-                  <a:solidFill>
-                    <a:schemeClr val="bg1"/>
-                  </a:solidFill>
-                  <a:latin typeface="HY헤드라인M" pitchFamily="18" charset="-127"/>
-                  <a:ea typeface="HY헤드라인M" pitchFamily="18" charset="-127"/>
-                </a:rPr>
-                <a:t>정보보호</a:t>
-              </a:r>
-              <a:r>
-                <a:rPr lang="en-US" altLang="ko-KR" sz="1846" dirty="0">
-                  <a:solidFill>
-                    <a:schemeClr val="bg1"/>
-                  </a:solidFill>
-                  <a:latin typeface="HY헤드라인M" pitchFamily="18" charset="-127"/>
-                  <a:ea typeface="HY헤드라인M" pitchFamily="18" charset="-127"/>
-                </a:rPr>
-                <a:t>(Information Security)</a:t>
-              </a:r>
-              <a:r>
-                <a:rPr lang="ko-KR" altLang="en-US" sz="1846" dirty="0">
-                  <a:solidFill>
-                    <a:schemeClr val="bg1"/>
-                  </a:solidFill>
-                  <a:latin typeface="HY헤드라인M" pitchFamily="18" charset="-127"/>
-                  <a:ea typeface="HY헤드라인M" pitchFamily="18" charset="-127"/>
-                </a:rPr>
-                <a:t>란</a:t>
-              </a:r>
-              <a:r>
-                <a:rPr lang="en-US" altLang="ko-KR" sz="1846" dirty="0">
-                  <a:solidFill>
-                    <a:schemeClr val="bg1"/>
-                  </a:solidFill>
-                  <a:latin typeface="HY헤드라인M" pitchFamily="18" charset="-127"/>
-                  <a:ea typeface="HY헤드라인M" pitchFamily="18" charset="-127"/>
-                </a:rPr>
-                <a:t>?</a:t>
-              </a:r>
-            </a:p>
-          </p:txBody>
-        </p:sp>
-      </p:grpSp>
-      <p:sp>
-        <p:nvSpPr>
-          <p:cNvPr id="3" name="슬라이드 번호 개체 틀 2"/>
-          <p:cNvSpPr>
-            <a:spLocks noGrp="1"/>
-          </p:cNvSpPr>
-          <p:nvPr>
-            <p:ph type="sldNum" sz="quarter" idx="12"/>
-          </p:nvPr>
-        </p:nvSpPr>
-        <p:spPr/>
-        <p:txBody>
-          <a:bodyPr/>
-          <a:lstStyle/>
-          <a:p>
-            <a:pPr>
-              <a:defRPr/>
-            </a:pPr>
-            <a:fld id="{55E38E1A-DF08-4C1D-A43C-7DBA77D90342}" type="slidenum">
-              <a:rPr lang="ko-KR" altLang="en-US" smtClean="0"/>
-              <a:pPr>
-                <a:defRPr/>
-              </a:pPr>
-              <a:t>2</a:t>
-            </a:fld>
-            <a:endParaRPr lang="ko-KR" altLang="en-US" dirty="0"/>
-          </a:p>
-        </p:txBody>
-      </p:sp>
-      <p:sp>
-        <p:nvSpPr>
-          <p:cNvPr id="10" name="제목 1"/>
-          <p:cNvSpPr txBox="1">
-            <a:spLocks/>
-          </p:cNvSpPr>
-          <p:nvPr/>
-        </p:nvSpPr>
-        <p:spPr>
-          <a:xfrm>
-            <a:off x="1584664" y="153055"/>
-            <a:ext cx="8903825" cy="908720"/>
-          </a:xfrm>
-          <a:prstGeom prst="rect">
-            <a:avLst/>
-          </a:prstGeom>
-        </p:spPr>
-        <p:txBody>
-          <a:bodyPr>
-            <a:normAutofit/>
-          </a:bodyPr>
-          <a:lstStyle/>
-          <a:p>
-            <a:pPr>
-              <a:spcBef>
-                <a:spcPct val="0"/>
-              </a:spcBef>
-              <a:defRPr/>
-            </a:pPr>
-            <a:r>
-              <a:rPr lang="en-US" altLang="ko-KR" sz="3600" dirty="0">
-                <a:latin typeface="HY헤드라인M" pitchFamily="18" charset="-127"/>
-                <a:ea typeface="HY헤드라인M" pitchFamily="18" charset="-127"/>
-                <a:cs typeface="Arial Unicode MS" pitchFamily="50" charset="-127"/>
-              </a:rPr>
-              <a:t> 1. </a:t>
-            </a:r>
-            <a:r>
-              <a:rPr lang="ko-KR" altLang="en-US" sz="3600" dirty="0">
-                <a:latin typeface="HY헤드라인M" pitchFamily="18" charset="-127"/>
-                <a:ea typeface="HY헤드라인M" pitchFamily="18" charset="-127"/>
-                <a:cs typeface="Arial Unicode MS" pitchFamily="50" charset="-127"/>
-              </a:rPr>
-              <a:t>정보보호 목적</a:t>
-            </a:r>
-            <a:endParaRPr lang="ko-KR" altLang="en-US" sz="3600" dirty="0">
-              <a:solidFill>
-                <a:srgbClr val="FF0000"/>
-              </a:solidFill>
-              <a:latin typeface="HY헤드라인M" pitchFamily="18" charset="-127"/>
-              <a:ea typeface="HY헤드라인M" pitchFamily="18" charset="-127"/>
-              <a:cs typeface="Arial Unicode MS" pitchFamily="50" charset="-127"/>
-            </a:endParaRPr>
-          </a:p>
-        </p:txBody>
-      </p:sp>
-    </p:spTree>
-    <p:extLst>
-      <p:ext uri="{BB962C8B-B14F-4D97-AF65-F5344CB8AC3E}">
-        <p14:creationId xmlns:p14="http://schemas.microsoft.com/office/powerpoint/2010/main" val="3557244366"/>
-      </p:ext>
-    </p:extLst>
-  </p:cSld>
-  <p:clrMapOvr>
-    <a:masterClrMapping/>
-  </p:clrMapOvr>
-</p:sld>
-</file>
-
-<file path=ppt/slides/slide20.xml><?xml version="1.0" encoding="utf-8"?>
+<file path=ppt/slides/slide21.xml><?xml version="1.0" encoding="utf-8"?>
 <p:sld xmlns:a="http://schemas.openxmlformats.org/drawingml/2006/main" xmlns:r="http://schemas.openxmlformats.org/officeDocument/2006/relationships" xmlns:p="http://schemas.openxmlformats.org/presentationml/2006/main">
   <p:cSld>
     <p:spTree>
@@ -16207,7 +16284,7 @@
 </p:sld>
 </file>
 
-<file path=ppt/slides/slide21.xml><?xml version="1.0" encoding="utf-8"?>
+<file path=ppt/slides/slide22.xml><?xml version="1.0" encoding="utf-8"?>
 <p:sld xmlns:a="http://schemas.openxmlformats.org/drawingml/2006/main" xmlns:r="http://schemas.openxmlformats.org/officeDocument/2006/relationships" xmlns:p="http://schemas.openxmlformats.org/presentationml/2006/main">
   <p:cSld>
     <p:spTree>
@@ -17665,7 +17742,7 @@
               <a:pPr>
                 <a:defRPr/>
               </a:pPr>
-              <a:t>21</a:t>
+              <a:t>22</a:t>
             </a:fld>
             <a:endParaRPr lang="ko-KR" altLang="en-US" dirty="0"/>
           </a:p>
@@ -17740,7 +17817,7 @@
 </p:sld>
 </file>
 
-<file path=ppt/slides/slide22.xml><?xml version="1.0" encoding="utf-8"?>
+<file path=ppt/slides/slide23.xml><?xml version="1.0" encoding="utf-8"?>
 <p:sld xmlns:a="http://schemas.openxmlformats.org/drawingml/2006/main" xmlns:r="http://schemas.openxmlformats.org/officeDocument/2006/relationships" xmlns:p="http://schemas.openxmlformats.org/presentationml/2006/main">
   <p:cSld>
     <p:spTree>
@@ -20054,7 +20131,7 @@
               <a:pPr>
                 <a:defRPr/>
               </a:pPr>
-              <a:t>22</a:t>
+              <a:t>23</a:t>
             </a:fld>
             <a:endParaRPr lang="ko-KR" altLang="en-US" dirty="0"/>
           </a:p>
@@ -20130,7 +20207,7 @@
 </p:sld>
 </file>
 
-<file path=ppt/slides/slide23.xml><?xml version="1.0" encoding="utf-8"?>
+<file path=ppt/slides/slide24.xml><?xml version="1.0" encoding="utf-8"?>
 <p:sld xmlns:a="http://schemas.openxmlformats.org/drawingml/2006/main" xmlns:r="http://schemas.openxmlformats.org/officeDocument/2006/relationships" xmlns:p="http://schemas.openxmlformats.org/presentationml/2006/main">
   <p:cSld>
     <p:spTree>
@@ -20201,7 +20278,7 @@
               <a:pPr>
                 <a:defRPr/>
               </a:pPr>
-              <a:t>23</a:t>
+              <a:t>24</a:t>
             </a:fld>
             <a:endParaRPr lang="ko-KR" altLang="en-US" dirty="0"/>
           </a:p>
@@ -21055,7 +21132,7 @@
 </p:sld>
 </file>
 
-<file path=ppt/slides/slide24.xml><?xml version="1.0" encoding="utf-8"?>
+<file path=ppt/slides/slide25.xml><?xml version="1.0" encoding="utf-8"?>
 <p:sld xmlns:a="http://schemas.openxmlformats.org/drawingml/2006/main" xmlns:r="http://schemas.openxmlformats.org/officeDocument/2006/relationships" xmlns:p="http://schemas.openxmlformats.org/presentationml/2006/main">
   <p:cSld>
     <p:spTree>
@@ -21126,7 +21203,7 @@
               <a:pPr>
                 <a:defRPr/>
               </a:pPr>
-              <a:t>24</a:t>
+              <a:t>25</a:t>
             </a:fld>
             <a:endParaRPr lang="ko-KR" altLang="en-US" dirty="0"/>
           </a:p>
@@ -22160,1611 +22237,6 @@
     <p:extLst>
       <p:ext uri="{BB962C8B-B14F-4D97-AF65-F5344CB8AC3E}">
         <p14:creationId xmlns:p14="http://schemas.microsoft.com/office/powerpoint/2010/main" val="911348249"/>
-      </p:ext>
-    </p:extLst>
-  </p:cSld>
-  <p:clrMapOvr>
-    <a:masterClrMapping/>
-  </p:clrMapOvr>
-</p:sld>
-</file>
-
-<file path=ppt/slides/slide25.xml><?xml version="1.0" encoding="utf-8"?>
-<p:sld xmlns:a="http://schemas.openxmlformats.org/drawingml/2006/main" xmlns:r="http://schemas.openxmlformats.org/officeDocument/2006/relationships" xmlns:p="http://schemas.openxmlformats.org/presentationml/2006/main">
-  <p:cSld>
-    <p:spTree>
-      <p:nvGrpSpPr>
-        <p:cNvPr id="1" name=""/>
-        <p:cNvGrpSpPr/>
-        <p:nvPr/>
-      </p:nvGrpSpPr>
-      <p:grpSpPr>
-        <a:xfrm>
-          <a:off x="0" y="0"/>
-          <a:ext cx="0" cy="0"/>
-          <a:chOff x="0" y="0"/>
-          <a:chExt cx="0" cy="0"/>
-        </a:xfrm>
-      </p:grpSpPr>
-      <p:grpSp>
-        <p:nvGrpSpPr>
-          <p:cNvPr id="5" name="Group 212"/>
-          <p:cNvGrpSpPr>
-            <a:grpSpLocks/>
-          </p:cNvGrpSpPr>
-          <p:nvPr/>
-        </p:nvGrpSpPr>
-        <p:grpSpPr bwMode="auto">
-          <a:xfrm>
-            <a:off x="1809299" y="973946"/>
-            <a:ext cx="3199957" cy="593479"/>
-            <a:chOff x="985" y="571"/>
-            <a:chExt cx="3693" cy="405"/>
-          </a:xfrm>
-        </p:grpSpPr>
-        <p:sp>
-          <p:nvSpPr>
-            <p:cNvPr id="6" name="AutoShape 56"/>
-            <p:cNvSpPr>
-              <a:spLocks noChangeArrowheads="1"/>
-            </p:cNvSpPr>
-            <p:nvPr/>
-          </p:nvSpPr>
-          <p:spPr bwMode="auto">
-            <a:xfrm>
-              <a:off x="985" y="571"/>
-              <a:ext cx="3611" cy="344"/>
-            </a:xfrm>
-            <a:prstGeom prst="roundRect">
-              <a:avLst>
-                <a:gd name="adj" fmla="val 50000"/>
-              </a:avLst>
-            </a:prstGeom>
-            <a:gradFill rotWithShape="1">
-              <a:gsLst>
-                <a:gs pos="0">
-                  <a:srgbClr val="333399">
-                    <a:gamma/>
-                    <a:tint val="40392"/>
-                    <a:invGamma/>
-                  </a:srgbClr>
-                </a:gs>
-                <a:gs pos="100000">
-                  <a:srgbClr val="333399"/>
-                </a:gs>
-              </a:gsLst>
-              <a:lin ang="5400000" scaled="1"/>
-            </a:gradFill>
-            <a:ln w="9525">
-              <a:noFill/>
-              <a:round/>
-              <a:headEnd/>
-              <a:tailEnd/>
-            </a:ln>
-            <a:effectLst/>
-          </p:spPr>
-          <p:txBody>
-            <a:bodyPr wrap="none" anchor="ctr"/>
-            <a:lstStyle/>
-            <a:p>
-              <a:pPr algn="ctr">
-                <a:lnSpc>
-                  <a:spcPct val="130000"/>
-                </a:lnSpc>
-                <a:buFont typeface="Wingdings" pitchFamily="2" charset="2"/>
-                <a:buChar char="•"/>
-                <a:defRPr/>
-              </a:pPr>
-              <a:endParaRPr lang="ko-KR" altLang="en-US" sz="1292">
-                <a:solidFill>
-                  <a:schemeClr val="tx2"/>
-                </a:solidFill>
-                <a:effectLst>
-                  <a:outerShdw blurRad="38100" dist="38100" dir="2700000" algn="tl">
-                    <a:srgbClr val="000000">
-                      <a:alpha val="43137"/>
-                    </a:srgbClr>
-                  </a:outerShdw>
-                </a:effectLst>
-                <a:latin typeface="HY헤드라인M" pitchFamily="18" charset="-127"/>
-                <a:ea typeface="HY헤드라인M" pitchFamily="18" charset="-127"/>
-              </a:endParaRPr>
-            </a:p>
-          </p:txBody>
-        </p:sp>
-        <p:sp>
-          <p:nvSpPr>
-            <p:cNvPr id="7" name="Rectangle 3"/>
-            <p:cNvSpPr>
-              <a:spLocks noChangeArrowheads="1"/>
-            </p:cNvSpPr>
-            <p:nvPr/>
-          </p:nvSpPr>
-          <p:spPr bwMode="auto">
-            <a:xfrm>
-              <a:off x="997" y="572"/>
-              <a:ext cx="3681" cy="404"/>
-            </a:xfrm>
-            <a:prstGeom prst="rect">
-              <a:avLst/>
-            </a:prstGeom>
-            <a:noFill/>
-            <a:ln w="9525">
-              <a:noFill/>
-              <a:miter lim="800000"/>
-              <a:headEnd/>
-              <a:tailEnd/>
-            </a:ln>
-          </p:spPr>
-          <p:txBody>
-            <a:bodyPr/>
-            <a:lstStyle/>
-            <a:p>
-              <a:pPr marL="316531" indent="-316531" algn="ctr">
-                <a:spcBef>
-                  <a:spcPct val="20000"/>
-                </a:spcBef>
-              </a:pPr>
-              <a:r>
-                <a:rPr lang="ko-KR" altLang="en-US" sz="1846" dirty="0">
-                  <a:solidFill>
-                    <a:schemeClr val="bg1"/>
-                  </a:solidFill>
-                  <a:latin typeface="HY헤드라인M" pitchFamily="18" charset="-127"/>
-                  <a:ea typeface="HY헤드라인M" pitchFamily="18" charset="-127"/>
-                </a:rPr>
-                <a:t>정보보호 </a:t>
-              </a:r>
-              <a:r>
-                <a:rPr lang="ko-KR" altLang="en-US" sz="1846" dirty="0" err="1">
-                  <a:solidFill>
-                    <a:schemeClr val="bg1"/>
-                  </a:solidFill>
-                  <a:latin typeface="HY헤드라인M" pitchFamily="18" charset="-127"/>
-                  <a:ea typeface="HY헤드라인M" pitchFamily="18" charset="-127"/>
-                </a:rPr>
-                <a:t>거버넌스</a:t>
-              </a:r>
-              <a:endParaRPr lang="en-US" altLang="ko-KR" sz="1846" dirty="0">
-                <a:solidFill>
-                  <a:schemeClr val="bg1"/>
-                </a:solidFill>
-                <a:latin typeface="HY헤드라인M" pitchFamily="18" charset="-127"/>
-                <a:ea typeface="HY헤드라인M" pitchFamily="18" charset="-127"/>
-              </a:endParaRPr>
-            </a:p>
-          </p:txBody>
-        </p:sp>
-      </p:grpSp>
-      <p:sp>
-        <p:nvSpPr>
-          <p:cNvPr id="22" name="직사각형 21"/>
-          <p:cNvSpPr/>
-          <p:nvPr/>
-        </p:nvSpPr>
-        <p:spPr>
-          <a:xfrm>
-            <a:off x="2011294" y="2159249"/>
-            <a:ext cx="8424862" cy="892833"/>
-          </a:xfrm>
-          <a:prstGeom prst="rect">
-            <a:avLst/>
-          </a:prstGeom>
-          <a:noFill/>
-          <a:ln>
-            <a:noFill/>
-          </a:ln>
-          <a:effectLst>
-            <a:outerShdw blurRad="50800" dist="38100" dir="2700000" algn="tl" rotWithShape="0">
-              <a:schemeClr val="bg1">
-                <a:lumMod val="65000"/>
-                <a:alpha val="40000"/>
-              </a:schemeClr>
-            </a:outerShdw>
-          </a:effectLst>
-        </p:spPr>
-        <p:style>
-          <a:lnRef idx="2">
-            <a:schemeClr val="accent1">
-              <a:shade val="50000"/>
-            </a:schemeClr>
-          </a:lnRef>
-          <a:fillRef idx="1">
-            <a:schemeClr val="accent1"/>
-          </a:fillRef>
-          <a:effectRef idx="0">
-            <a:schemeClr val="accent1"/>
-          </a:effectRef>
-          <a:fontRef idx="minor">
-            <a:schemeClr val="lt1"/>
-          </a:fontRef>
-        </p:style>
-        <p:txBody>
-          <a:bodyPr rtlCol="0" anchor="ctr"/>
-          <a:lstStyle/>
-          <a:p>
-            <a:pPr marL="285750" indent="-285750">
-              <a:buFont typeface="Wingdings" panose="05000000000000000000" pitchFamily="2" charset="2"/>
-              <a:buChar char="ü"/>
-            </a:pPr>
-            <a:r>
-              <a:rPr lang="ko-KR" altLang="en-US" sz="1400" dirty="0">
-                <a:solidFill>
-                  <a:schemeClr val="tx1"/>
-                </a:solidFill>
-                <a:latin typeface="HY헤드라인M" panose="02030600000101010101" pitchFamily="18" charset="-127"/>
-                <a:ea typeface="HY헤드라인M" panose="02030600000101010101" pitchFamily="18" charset="-127"/>
-              </a:rPr>
-              <a:t>기업 내 이해관계자</a:t>
-            </a:r>
-            <a:r>
-              <a:rPr lang="en-US" altLang="ko-KR" sz="1400" dirty="0">
-                <a:solidFill>
-                  <a:schemeClr val="tx1"/>
-                </a:solidFill>
-                <a:latin typeface="HY헤드라인M" panose="02030600000101010101" pitchFamily="18" charset="-127"/>
-                <a:ea typeface="HY헤드라인M" panose="02030600000101010101" pitchFamily="18" charset="-127"/>
-              </a:rPr>
-              <a:t>(</a:t>
-            </a:r>
-            <a:r>
-              <a:rPr lang="ko-KR" altLang="en-US" sz="1400" dirty="0">
-                <a:solidFill>
-                  <a:schemeClr val="tx1"/>
-                </a:solidFill>
-                <a:latin typeface="HY헤드라인M" panose="02030600000101010101" pitchFamily="18" charset="-127"/>
-                <a:ea typeface="HY헤드라인M" panose="02030600000101010101" pitchFamily="18" charset="-127"/>
-              </a:rPr>
-              <a:t>이사회</a:t>
-            </a:r>
-            <a:r>
-              <a:rPr lang="en-US" altLang="ko-KR" sz="1400" dirty="0">
-                <a:solidFill>
-                  <a:schemeClr val="tx1"/>
-                </a:solidFill>
-                <a:latin typeface="HY헤드라인M" panose="02030600000101010101" pitchFamily="18" charset="-127"/>
-                <a:ea typeface="HY헤드라인M" panose="02030600000101010101" pitchFamily="18" charset="-127"/>
-              </a:rPr>
-              <a:t>, </a:t>
-            </a:r>
-            <a:r>
-              <a:rPr lang="ko-KR" altLang="en-US" sz="1400" dirty="0">
-                <a:solidFill>
-                  <a:schemeClr val="tx1"/>
-                </a:solidFill>
-                <a:latin typeface="HY헤드라인M" panose="02030600000101010101" pitchFamily="18" charset="-127"/>
-                <a:ea typeface="HY헤드라인M" panose="02030600000101010101" pitchFamily="18" charset="-127"/>
-              </a:rPr>
-              <a:t>관리자</a:t>
-            </a:r>
-            <a:r>
-              <a:rPr lang="en-US" altLang="ko-KR" sz="1400" dirty="0">
-                <a:solidFill>
-                  <a:schemeClr val="tx1"/>
-                </a:solidFill>
-                <a:latin typeface="HY헤드라인M" panose="02030600000101010101" pitchFamily="18" charset="-127"/>
-                <a:ea typeface="HY헤드라인M" panose="02030600000101010101" pitchFamily="18" charset="-127"/>
-              </a:rPr>
-              <a:t>, </a:t>
-            </a:r>
-            <a:r>
-              <a:rPr lang="ko-KR" altLang="en-US" sz="1400" dirty="0">
-                <a:solidFill>
-                  <a:schemeClr val="tx1"/>
-                </a:solidFill>
-                <a:latin typeface="HY헤드라인M" panose="02030600000101010101" pitchFamily="18" charset="-127"/>
-                <a:ea typeface="HY헤드라인M" panose="02030600000101010101" pitchFamily="18" charset="-127"/>
-              </a:rPr>
-              <a:t>주주 등</a:t>
-            </a:r>
-            <a:r>
-              <a:rPr lang="en-US" altLang="ko-KR" sz="1400" dirty="0">
-                <a:solidFill>
-                  <a:schemeClr val="tx1"/>
-                </a:solidFill>
-                <a:latin typeface="HY헤드라인M" panose="02030600000101010101" pitchFamily="18" charset="-127"/>
-                <a:ea typeface="HY헤드라인M" panose="02030600000101010101" pitchFamily="18" charset="-127"/>
-              </a:rPr>
-              <a:t>)</a:t>
-            </a:r>
-            <a:r>
-              <a:rPr lang="ko-KR" altLang="en-US" sz="1400" dirty="0">
-                <a:solidFill>
-                  <a:schemeClr val="tx1"/>
-                </a:solidFill>
-                <a:latin typeface="HY헤드라인M" panose="02030600000101010101" pitchFamily="18" charset="-127"/>
-                <a:ea typeface="HY헤드라인M" panose="02030600000101010101" pitchFamily="18" charset="-127"/>
-              </a:rPr>
-              <a:t>간의 권한과 책임을 규정하고</a:t>
-            </a:r>
-            <a:r>
-              <a:rPr lang="en-US" altLang="ko-KR" sz="1400" dirty="0">
-                <a:solidFill>
-                  <a:schemeClr val="tx1"/>
-                </a:solidFill>
-                <a:latin typeface="HY헤드라인M" panose="02030600000101010101" pitchFamily="18" charset="-127"/>
-                <a:ea typeface="HY헤드라인M" panose="02030600000101010101" pitchFamily="18" charset="-127"/>
-              </a:rPr>
-              <a:t>, </a:t>
-            </a:r>
-            <a:r>
-              <a:rPr lang="ko-KR" altLang="en-US" sz="1400" dirty="0">
-                <a:solidFill>
-                  <a:schemeClr val="tx1"/>
-                </a:solidFill>
-                <a:latin typeface="HY헤드라인M" panose="02030600000101010101" pitchFamily="18" charset="-127"/>
-                <a:ea typeface="HY헤드라인M" panose="02030600000101010101" pitchFamily="18" charset="-127"/>
-              </a:rPr>
-              <a:t>회사 관련 사안들에 대한 의사결정과 결정된 사항의 집행 및 감시절차를 기술</a:t>
-            </a:r>
-            <a:r>
-              <a:rPr lang="en-US" altLang="ko-KR" sz="1400" dirty="0">
-                <a:solidFill>
-                  <a:schemeClr val="tx1"/>
-                </a:solidFill>
-                <a:latin typeface="HY헤드라인M" panose="02030600000101010101" pitchFamily="18" charset="-127"/>
-                <a:ea typeface="HY헤드라인M" panose="02030600000101010101" pitchFamily="18" charset="-127"/>
-              </a:rPr>
-              <a:t>(OECD)</a:t>
-            </a:r>
-          </a:p>
-          <a:p>
-            <a:pPr marL="285750" indent="-285750">
-              <a:buFont typeface="Wingdings" panose="05000000000000000000" pitchFamily="2" charset="2"/>
-              <a:buChar char="ü"/>
-            </a:pPr>
-            <a:r>
-              <a:rPr kumimoji="1" lang="ko-KR" altLang="en-US" sz="1400" spc="-200" dirty="0">
-                <a:ln w="11430">
-                  <a:solidFill>
-                    <a:srgbClr val="4F81BD">
-                      <a:alpha val="0"/>
-                    </a:srgbClr>
-                  </a:solidFill>
-                </a:ln>
-                <a:solidFill>
-                  <a:schemeClr val="tx1"/>
-                </a:solidFill>
-                <a:latin typeface="HY헤드라인M" panose="02030600000101010101" pitchFamily="18" charset="-127"/>
-                <a:ea typeface="HY헤드라인M" panose="02030600000101010101" pitchFamily="18" charset="-127"/>
-              </a:rPr>
-              <a:t>조직 목표에 대한 의사결정과 목표 달성 현황에 대한 성과를 모니터링</a:t>
-            </a:r>
-            <a:endParaRPr kumimoji="1" lang="en-US" altLang="ko-KR" sz="1400" spc="-200" dirty="0">
-              <a:ln w="11430">
-                <a:solidFill>
-                  <a:srgbClr val="4F81BD">
-                    <a:alpha val="0"/>
-                  </a:srgbClr>
-                </a:solidFill>
-              </a:ln>
-              <a:solidFill>
-                <a:schemeClr val="tx1"/>
-              </a:solidFill>
-              <a:latin typeface="HY헤드라인M" panose="02030600000101010101" pitchFamily="18" charset="-127"/>
-              <a:ea typeface="HY헤드라인M" panose="02030600000101010101" pitchFamily="18" charset="-127"/>
-            </a:endParaRPr>
-          </a:p>
-        </p:txBody>
-      </p:sp>
-      <p:sp>
-        <p:nvSpPr>
-          <p:cNvPr id="23" name="직사각형 22"/>
-          <p:cNvSpPr/>
-          <p:nvPr/>
-        </p:nvSpPr>
-        <p:spPr>
-          <a:xfrm>
-            <a:off x="2011294" y="3729109"/>
-            <a:ext cx="8424862" cy="889680"/>
-          </a:xfrm>
-          <a:prstGeom prst="rect">
-            <a:avLst/>
-          </a:prstGeom>
-          <a:noFill/>
-          <a:ln>
-            <a:noFill/>
-          </a:ln>
-          <a:effectLst>
-            <a:outerShdw blurRad="50800" dist="38100" dir="2700000" algn="tl" rotWithShape="0">
-              <a:schemeClr val="bg1">
-                <a:lumMod val="65000"/>
-                <a:alpha val="40000"/>
-              </a:schemeClr>
-            </a:outerShdw>
-          </a:effectLst>
-        </p:spPr>
-        <p:style>
-          <a:lnRef idx="2">
-            <a:schemeClr val="accent1">
-              <a:shade val="50000"/>
-            </a:schemeClr>
-          </a:lnRef>
-          <a:fillRef idx="1">
-            <a:schemeClr val="accent1"/>
-          </a:fillRef>
-          <a:effectRef idx="0">
-            <a:schemeClr val="accent1"/>
-          </a:effectRef>
-          <a:fontRef idx="minor">
-            <a:schemeClr val="lt1"/>
-          </a:fontRef>
-        </p:style>
-        <p:txBody>
-          <a:bodyPr rtlCol="0" anchor="ctr"/>
-          <a:lstStyle/>
-          <a:p>
-            <a:pPr marL="171450" indent="-171450">
-              <a:buFont typeface="Wingdings" panose="05000000000000000000" pitchFamily="2" charset="2"/>
-              <a:buChar char="ü"/>
-            </a:pPr>
-            <a:endParaRPr kumimoji="1" lang="ko-KR" altLang="en-US" sz="400" spc="-200" dirty="0">
-              <a:ln w="11430">
-                <a:solidFill>
-                  <a:srgbClr val="4F81BD">
-                    <a:alpha val="0"/>
-                  </a:srgbClr>
-                </a:solidFill>
-              </a:ln>
-              <a:solidFill>
-                <a:schemeClr val="tx1"/>
-              </a:solidFill>
-            </a:endParaRPr>
-          </a:p>
-        </p:txBody>
-      </p:sp>
-      <p:sp>
-        <p:nvSpPr>
-          <p:cNvPr id="24" name="직사각형 23"/>
-          <p:cNvSpPr/>
-          <p:nvPr/>
-        </p:nvSpPr>
-        <p:spPr>
-          <a:xfrm>
-            <a:off x="2024710" y="5022246"/>
-            <a:ext cx="8424862" cy="1238106"/>
-          </a:xfrm>
-          <a:prstGeom prst="rect">
-            <a:avLst/>
-          </a:prstGeom>
-          <a:noFill/>
-          <a:ln>
-            <a:noFill/>
-          </a:ln>
-          <a:effectLst>
-            <a:outerShdw blurRad="50800" dist="38100" dir="2700000" algn="tl" rotWithShape="0">
-              <a:schemeClr val="bg1">
-                <a:lumMod val="65000"/>
-                <a:alpha val="40000"/>
-              </a:schemeClr>
-            </a:outerShdw>
-          </a:effectLst>
-        </p:spPr>
-        <p:style>
-          <a:lnRef idx="2">
-            <a:schemeClr val="accent1">
-              <a:shade val="50000"/>
-            </a:schemeClr>
-          </a:lnRef>
-          <a:fillRef idx="1">
-            <a:schemeClr val="accent1"/>
-          </a:fillRef>
-          <a:effectRef idx="0">
-            <a:schemeClr val="accent1"/>
-          </a:effectRef>
-          <a:fontRef idx="minor">
-            <a:schemeClr val="lt1"/>
-          </a:fontRef>
-        </p:style>
-        <p:txBody>
-          <a:bodyPr rtlCol="0" anchor="ctr"/>
-          <a:lstStyle/>
-          <a:p>
-            <a:pPr>
-              <a:lnSpc>
-                <a:spcPct val="150000"/>
-              </a:lnSpc>
-            </a:pPr>
-            <a:endParaRPr kumimoji="1" lang="ko-KR" altLang="en-US" sz="400" spc="-150" dirty="0">
-              <a:ln w="11430">
-                <a:solidFill>
-                  <a:srgbClr val="4F81BD">
-                    <a:alpha val="0"/>
-                  </a:srgbClr>
-                </a:solidFill>
-              </a:ln>
-              <a:solidFill>
-                <a:schemeClr val="tx1"/>
-              </a:solidFill>
-              <a:latin typeface="HY헤드라인M" panose="02030600000101010101" pitchFamily="18" charset="-127"/>
-              <a:ea typeface="HY헤드라인M" panose="02030600000101010101" pitchFamily="18" charset="-127"/>
-            </a:endParaRPr>
-          </a:p>
-        </p:txBody>
-      </p:sp>
-      <p:grpSp>
-        <p:nvGrpSpPr>
-          <p:cNvPr id="25" name="그룹 8"/>
-          <p:cNvGrpSpPr/>
-          <p:nvPr/>
-        </p:nvGrpSpPr>
-        <p:grpSpPr>
-          <a:xfrm>
-            <a:off x="1855844" y="1675798"/>
-            <a:ext cx="3848842" cy="610300"/>
-            <a:chOff x="251520" y="1522556"/>
-            <a:chExt cx="2016000" cy="610300"/>
-          </a:xfrm>
-          <a:noFill/>
-        </p:grpSpPr>
-        <p:sp>
-          <p:nvSpPr>
-            <p:cNvPr id="26" name="직사각형 25"/>
-            <p:cNvSpPr/>
-            <p:nvPr/>
-          </p:nvSpPr>
-          <p:spPr>
-            <a:xfrm>
-              <a:off x="251520" y="1522556"/>
-              <a:ext cx="2016000" cy="432000"/>
-            </a:xfrm>
-            <a:prstGeom prst="rect">
-              <a:avLst/>
-            </a:prstGeom>
-            <a:grpFill/>
-            <a:ln>
-              <a:noFill/>
-            </a:ln>
-            <a:effectLst>
-              <a:outerShdw blurRad="50800" dist="38100" dir="5400000" algn="t" rotWithShape="0">
-                <a:schemeClr val="bg1">
-                  <a:lumMod val="50000"/>
-                  <a:alpha val="40000"/>
-                </a:schemeClr>
-              </a:outerShdw>
-            </a:effectLst>
-          </p:spPr>
-          <p:style>
-            <a:lnRef idx="2">
-              <a:schemeClr val="accent1">
-                <a:shade val="50000"/>
-              </a:schemeClr>
-            </a:lnRef>
-            <a:fillRef idx="1">
-              <a:schemeClr val="accent1"/>
-            </a:fillRef>
-            <a:effectRef idx="0">
-              <a:schemeClr val="accent1"/>
-            </a:effectRef>
-            <a:fontRef idx="minor">
-              <a:schemeClr val="lt1"/>
-            </a:fontRef>
-          </p:style>
-          <p:txBody>
-            <a:bodyPr rtlCol="0" anchor="ctr"/>
-            <a:lstStyle/>
-            <a:p>
-              <a:pPr marL="285750" indent="-285750">
-                <a:buFont typeface="Wingdings" panose="05000000000000000000" pitchFamily="2" charset="2"/>
-                <a:buChar char="l"/>
-              </a:pPr>
-              <a:r>
-                <a:rPr lang="ko-KR" altLang="en-US" sz="1500" b="1" dirty="0">
-                  <a:ln>
-                    <a:solidFill>
-                      <a:schemeClr val="accent1">
-                        <a:alpha val="0"/>
-                      </a:schemeClr>
-                    </a:solidFill>
-                  </a:ln>
-                  <a:solidFill>
-                    <a:schemeClr val="tx1"/>
-                  </a:solidFill>
-                  <a:effectLst>
-                    <a:outerShdw blurRad="38100" dist="38100" dir="2700000" algn="tl">
-                      <a:srgbClr val="000000">
-                        <a:alpha val="43137"/>
-                      </a:srgbClr>
-                    </a:outerShdw>
-                  </a:effectLst>
-                  <a:latin typeface="HY헤드라인M" panose="02030600000101010101" pitchFamily="18" charset="-127"/>
-                  <a:ea typeface="HY헤드라인M" panose="02030600000101010101" pitchFamily="18" charset="-127"/>
-                </a:rPr>
-                <a:t>  기업 </a:t>
-              </a:r>
-              <a:r>
-                <a:rPr lang="ko-KR" altLang="en-US" sz="1500" b="1" dirty="0" err="1">
-                  <a:ln>
-                    <a:solidFill>
-                      <a:schemeClr val="accent1">
-                        <a:alpha val="0"/>
-                      </a:schemeClr>
-                    </a:solidFill>
-                  </a:ln>
-                  <a:solidFill>
-                    <a:schemeClr val="tx1"/>
-                  </a:solidFill>
-                  <a:effectLst>
-                    <a:outerShdw blurRad="38100" dist="38100" dir="2700000" algn="tl">
-                      <a:srgbClr val="000000">
-                        <a:alpha val="43137"/>
-                      </a:srgbClr>
-                    </a:outerShdw>
-                  </a:effectLst>
-                  <a:latin typeface="HY헤드라인M" panose="02030600000101010101" pitchFamily="18" charset="-127"/>
-                  <a:ea typeface="HY헤드라인M" panose="02030600000101010101" pitchFamily="18" charset="-127"/>
-                </a:rPr>
-                <a:t>거버넌스</a:t>
-              </a:r>
-              <a:r>
-                <a:rPr lang="en-US" altLang="ko-KR" sz="1500" b="1" dirty="0">
-                  <a:ln>
-                    <a:solidFill>
-                      <a:schemeClr val="accent1">
-                        <a:alpha val="0"/>
-                      </a:schemeClr>
-                    </a:solidFill>
-                  </a:ln>
-                  <a:solidFill>
-                    <a:schemeClr val="tx1"/>
-                  </a:solidFill>
-                  <a:effectLst>
-                    <a:outerShdw blurRad="38100" dist="38100" dir="2700000" algn="tl">
-                      <a:srgbClr val="000000">
-                        <a:alpha val="43137"/>
-                      </a:srgbClr>
-                    </a:outerShdw>
-                  </a:effectLst>
-                  <a:latin typeface="HY헤드라인M" panose="02030600000101010101" pitchFamily="18" charset="-127"/>
-                  <a:ea typeface="HY헤드라인M" panose="02030600000101010101" pitchFamily="18" charset="-127"/>
-                </a:rPr>
-                <a:t>(Corporate </a:t>
-              </a:r>
-              <a:r>
-                <a:rPr lang="en-US" altLang="ko-KR" sz="1500" b="1" spc="-150" dirty="0">
-                  <a:ln>
-                    <a:solidFill>
-                      <a:schemeClr val="accent1">
-                        <a:alpha val="0"/>
-                      </a:schemeClr>
-                    </a:solidFill>
-                  </a:ln>
-                  <a:solidFill>
-                    <a:schemeClr val="tx1"/>
-                  </a:solidFill>
-                  <a:effectLst>
-                    <a:outerShdw blurRad="38100" dist="38100" dir="2700000" algn="tl">
-                      <a:srgbClr val="000000">
-                        <a:alpha val="43137"/>
-                      </a:srgbClr>
-                    </a:outerShdw>
-                  </a:effectLst>
-                  <a:latin typeface="HY헤드라인M" panose="02030600000101010101" pitchFamily="18" charset="-127"/>
-                  <a:ea typeface="HY헤드라인M" panose="02030600000101010101" pitchFamily="18" charset="-127"/>
-                </a:rPr>
-                <a:t>Governance)</a:t>
-              </a:r>
-              <a:endParaRPr lang="ko-KR" altLang="en-US" sz="1500" b="1" spc="-150" dirty="0">
-                <a:ln>
-                  <a:solidFill>
-                    <a:schemeClr val="accent1">
-                      <a:alpha val="0"/>
-                    </a:schemeClr>
-                  </a:solidFill>
-                </a:ln>
-                <a:solidFill>
-                  <a:schemeClr val="tx1"/>
-                </a:solidFill>
-                <a:effectLst>
-                  <a:outerShdw blurRad="38100" dist="38100" dir="2700000" algn="tl">
-                    <a:srgbClr val="000000">
-                      <a:alpha val="43137"/>
-                    </a:srgbClr>
-                  </a:outerShdw>
-                </a:effectLst>
-                <a:latin typeface="HY헤드라인M" panose="02030600000101010101" pitchFamily="18" charset="-127"/>
-                <a:ea typeface="HY헤드라인M" panose="02030600000101010101" pitchFamily="18" charset="-127"/>
-              </a:endParaRPr>
-            </a:p>
-          </p:txBody>
-        </p:sp>
-        <p:sp>
-          <p:nvSpPr>
-            <p:cNvPr id="27" name="직각 삼각형 26"/>
-            <p:cNvSpPr/>
-            <p:nvPr/>
-          </p:nvSpPr>
-          <p:spPr>
-            <a:xfrm rot="10800000">
-              <a:off x="251520" y="1954556"/>
-              <a:ext cx="144016" cy="178300"/>
-            </a:xfrm>
-            <a:prstGeom prst="rtTriangle">
-              <a:avLst/>
-            </a:prstGeom>
-            <a:grpFill/>
-            <a:ln>
-              <a:noFill/>
-            </a:ln>
-          </p:spPr>
-          <p:style>
-            <a:lnRef idx="2">
-              <a:schemeClr val="accent1">
-                <a:shade val="50000"/>
-              </a:schemeClr>
-            </a:lnRef>
-            <a:fillRef idx="1">
-              <a:schemeClr val="accent1"/>
-            </a:fillRef>
-            <a:effectRef idx="0">
-              <a:schemeClr val="accent1"/>
-            </a:effectRef>
-            <a:fontRef idx="minor">
-              <a:schemeClr val="lt1"/>
-            </a:fontRef>
-          </p:style>
-          <p:txBody>
-            <a:bodyPr rtlCol="0" anchor="ctr"/>
-            <a:lstStyle/>
-            <a:p>
-              <a:pPr marL="285750" indent="-285750" algn="ctr">
-                <a:buFont typeface="Wingdings" panose="05000000000000000000" pitchFamily="2" charset="2"/>
-                <a:buChar char="l"/>
-              </a:pPr>
-              <a:endParaRPr lang="ko-KR" altLang="en-US">
-                <a:solidFill>
-                  <a:schemeClr val="tx1"/>
-                </a:solidFill>
-                <a:latin typeface="HY헤드라인M" panose="02030600000101010101" pitchFamily="18" charset="-127"/>
-                <a:ea typeface="HY헤드라인M" panose="02030600000101010101" pitchFamily="18" charset="-127"/>
-              </a:endParaRPr>
-            </a:p>
-          </p:txBody>
-        </p:sp>
-      </p:grpSp>
-      <p:grpSp>
-        <p:nvGrpSpPr>
-          <p:cNvPr id="28" name="그룹 76"/>
-          <p:cNvGrpSpPr/>
-          <p:nvPr/>
-        </p:nvGrpSpPr>
-        <p:grpSpPr>
-          <a:xfrm>
-            <a:off x="1927852" y="3272431"/>
-            <a:ext cx="2016000" cy="610300"/>
-            <a:chOff x="251520" y="1522556"/>
-            <a:chExt cx="2016000" cy="610300"/>
-          </a:xfrm>
-          <a:noFill/>
-        </p:grpSpPr>
-        <p:sp>
-          <p:nvSpPr>
-            <p:cNvPr id="29" name="직사각형 28"/>
-            <p:cNvSpPr/>
-            <p:nvPr/>
-          </p:nvSpPr>
-          <p:spPr>
-            <a:xfrm>
-              <a:off x="251520" y="1522556"/>
-              <a:ext cx="2016000" cy="432000"/>
-            </a:xfrm>
-            <a:prstGeom prst="rect">
-              <a:avLst/>
-            </a:prstGeom>
-            <a:grpFill/>
-            <a:ln>
-              <a:noFill/>
-            </a:ln>
-            <a:effectLst>
-              <a:outerShdw blurRad="50800" dist="38100" dir="5400000" algn="t" rotWithShape="0">
-                <a:schemeClr val="bg1">
-                  <a:lumMod val="50000"/>
-                  <a:alpha val="40000"/>
-                </a:schemeClr>
-              </a:outerShdw>
-            </a:effectLst>
-          </p:spPr>
-          <p:style>
-            <a:lnRef idx="2">
-              <a:schemeClr val="accent1">
-                <a:shade val="50000"/>
-              </a:schemeClr>
-            </a:lnRef>
-            <a:fillRef idx="1">
-              <a:schemeClr val="accent1"/>
-            </a:fillRef>
-            <a:effectRef idx="0">
-              <a:schemeClr val="accent1"/>
-            </a:effectRef>
-            <a:fontRef idx="minor">
-              <a:schemeClr val="lt1"/>
-            </a:fontRef>
-          </p:style>
-          <p:txBody>
-            <a:bodyPr rtlCol="0" anchor="ctr"/>
-            <a:lstStyle/>
-            <a:p>
-              <a:pPr marL="285750" indent="-285750">
-                <a:buFont typeface="Wingdings" panose="05000000000000000000" pitchFamily="2" charset="2"/>
-                <a:buChar char="l"/>
-              </a:pPr>
-              <a:r>
-                <a:rPr lang="ko-KR" altLang="en-US" sz="1500" b="1" dirty="0">
-                  <a:ln>
-                    <a:solidFill>
-                      <a:schemeClr val="accent1">
-                        <a:alpha val="0"/>
-                      </a:schemeClr>
-                    </a:solidFill>
-                  </a:ln>
-                  <a:solidFill>
-                    <a:schemeClr val="tx1"/>
-                  </a:solidFill>
-                  <a:effectLst>
-                    <a:outerShdw blurRad="38100" dist="38100" dir="2700000" algn="tl">
-                      <a:srgbClr val="000000">
-                        <a:alpha val="43137"/>
-                      </a:srgbClr>
-                    </a:outerShdw>
-                  </a:effectLst>
-                  <a:latin typeface="HY헤드라인M" panose="02030600000101010101" pitchFamily="18" charset="-127"/>
-                  <a:ea typeface="HY헤드라인M" panose="02030600000101010101" pitchFamily="18" charset="-127"/>
-                </a:rPr>
-                <a:t>  </a:t>
-              </a:r>
-              <a:r>
-                <a:rPr lang="en-US" altLang="ko-KR" sz="1500" b="1" dirty="0">
-                  <a:ln>
-                    <a:solidFill>
-                      <a:schemeClr val="accent1">
-                        <a:alpha val="0"/>
-                      </a:schemeClr>
-                    </a:solidFill>
-                  </a:ln>
-                  <a:solidFill>
-                    <a:schemeClr val="tx1"/>
-                  </a:solidFill>
-                  <a:effectLst>
-                    <a:outerShdw blurRad="38100" dist="38100" dir="2700000" algn="tl">
-                      <a:srgbClr val="000000">
-                        <a:alpha val="43137"/>
-                      </a:srgbClr>
-                    </a:outerShdw>
-                  </a:effectLst>
-                  <a:latin typeface="HY헤드라인M" panose="02030600000101010101" pitchFamily="18" charset="-127"/>
-                  <a:ea typeface="HY헤드라인M" panose="02030600000101010101" pitchFamily="18" charset="-127"/>
-                </a:rPr>
-                <a:t>IT </a:t>
-              </a:r>
-              <a:r>
-                <a:rPr lang="ko-KR" altLang="en-US" sz="1500" b="1" dirty="0" err="1">
-                  <a:ln>
-                    <a:solidFill>
-                      <a:schemeClr val="accent1">
-                        <a:alpha val="0"/>
-                      </a:schemeClr>
-                    </a:solidFill>
-                  </a:ln>
-                  <a:solidFill>
-                    <a:schemeClr val="tx1"/>
-                  </a:solidFill>
-                  <a:effectLst>
-                    <a:outerShdw blurRad="38100" dist="38100" dir="2700000" algn="tl">
-                      <a:srgbClr val="000000">
-                        <a:alpha val="43137"/>
-                      </a:srgbClr>
-                    </a:outerShdw>
-                  </a:effectLst>
-                  <a:latin typeface="HY헤드라인M" panose="02030600000101010101" pitchFamily="18" charset="-127"/>
-                  <a:ea typeface="HY헤드라인M" panose="02030600000101010101" pitchFamily="18" charset="-127"/>
-                </a:rPr>
-                <a:t>거버넌스</a:t>
-              </a:r>
-              <a:endParaRPr lang="ko-KR" altLang="en-US" sz="1500" b="1" dirty="0">
-                <a:ln>
-                  <a:solidFill>
-                    <a:schemeClr val="accent1">
-                      <a:alpha val="0"/>
-                    </a:schemeClr>
-                  </a:solidFill>
-                </a:ln>
-                <a:solidFill>
-                  <a:schemeClr val="tx1"/>
-                </a:solidFill>
-                <a:effectLst>
-                  <a:outerShdw blurRad="38100" dist="38100" dir="2700000" algn="tl">
-                    <a:srgbClr val="000000">
-                      <a:alpha val="43137"/>
-                    </a:srgbClr>
-                  </a:outerShdw>
-                </a:effectLst>
-                <a:latin typeface="HY헤드라인M" panose="02030600000101010101" pitchFamily="18" charset="-127"/>
-                <a:ea typeface="HY헤드라인M" panose="02030600000101010101" pitchFamily="18" charset="-127"/>
-              </a:endParaRPr>
-            </a:p>
-          </p:txBody>
-        </p:sp>
-        <p:sp>
-          <p:nvSpPr>
-            <p:cNvPr id="30" name="직각 삼각형 29"/>
-            <p:cNvSpPr/>
-            <p:nvPr/>
-          </p:nvSpPr>
-          <p:spPr>
-            <a:xfrm rot="10800000">
-              <a:off x="251520" y="1954556"/>
-              <a:ext cx="144016" cy="178300"/>
-            </a:xfrm>
-            <a:prstGeom prst="rtTriangle">
-              <a:avLst/>
-            </a:prstGeom>
-            <a:grpFill/>
-            <a:ln>
-              <a:noFill/>
-            </a:ln>
-          </p:spPr>
-          <p:style>
-            <a:lnRef idx="2">
-              <a:schemeClr val="accent1">
-                <a:shade val="50000"/>
-              </a:schemeClr>
-            </a:lnRef>
-            <a:fillRef idx="1">
-              <a:schemeClr val="accent1"/>
-            </a:fillRef>
-            <a:effectRef idx="0">
-              <a:schemeClr val="accent1"/>
-            </a:effectRef>
-            <a:fontRef idx="minor">
-              <a:schemeClr val="lt1"/>
-            </a:fontRef>
-          </p:style>
-          <p:txBody>
-            <a:bodyPr rtlCol="0" anchor="ctr"/>
-            <a:lstStyle/>
-            <a:p>
-              <a:pPr marL="285750" indent="-285750" algn="ctr">
-                <a:buFont typeface="Wingdings" panose="05000000000000000000" pitchFamily="2" charset="2"/>
-                <a:buChar char="l"/>
-              </a:pPr>
-              <a:endParaRPr lang="ko-KR" altLang="en-US">
-                <a:solidFill>
-                  <a:schemeClr val="tx1"/>
-                </a:solidFill>
-                <a:latin typeface="HY헤드라인M" panose="02030600000101010101" pitchFamily="18" charset="-127"/>
-                <a:ea typeface="HY헤드라인M" panose="02030600000101010101" pitchFamily="18" charset="-127"/>
-              </a:endParaRPr>
-            </a:p>
-          </p:txBody>
-        </p:sp>
-      </p:grpSp>
-      <p:grpSp>
-        <p:nvGrpSpPr>
-          <p:cNvPr id="31" name="그룹 79"/>
-          <p:cNvGrpSpPr/>
-          <p:nvPr/>
-        </p:nvGrpSpPr>
-        <p:grpSpPr>
-          <a:xfrm>
-            <a:off x="1869013" y="4787282"/>
-            <a:ext cx="3734285" cy="610300"/>
-            <a:chOff x="251520" y="1522556"/>
-            <a:chExt cx="1803662" cy="610300"/>
-          </a:xfrm>
-          <a:noFill/>
-        </p:grpSpPr>
-        <p:sp>
-          <p:nvSpPr>
-            <p:cNvPr id="32" name="직사각형 31"/>
-            <p:cNvSpPr/>
-            <p:nvPr/>
-          </p:nvSpPr>
-          <p:spPr>
-            <a:xfrm>
-              <a:off x="251520" y="1522556"/>
-              <a:ext cx="1803662" cy="432000"/>
-            </a:xfrm>
-            <a:prstGeom prst="rect">
-              <a:avLst/>
-            </a:prstGeom>
-            <a:grpFill/>
-            <a:ln>
-              <a:noFill/>
-            </a:ln>
-            <a:effectLst>
-              <a:outerShdw blurRad="50800" dist="38100" dir="5400000" algn="t" rotWithShape="0">
-                <a:schemeClr val="bg1">
-                  <a:lumMod val="50000"/>
-                  <a:alpha val="40000"/>
-                </a:schemeClr>
-              </a:outerShdw>
-            </a:effectLst>
-          </p:spPr>
-          <p:style>
-            <a:lnRef idx="2">
-              <a:schemeClr val="accent1">
-                <a:shade val="50000"/>
-              </a:schemeClr>
-            </a:lnRef>
-            <a:fillRef idx="1">
-              <a:schemeClr val="accent1"/>
-            </a:fillRef>
-            <a:effectRef idx="0">
-              <a:schemeClr val="accent1"/>
-            </a:effectRef>
-            <a:fontRef idx="minor">
-              <a:schemeClr val="lt1"/>
-            </a:fontRef>
-          </p:style>
-          <p:txBody>
-            <a:bodyPr rtlCol="0" anchor="ctr"/>
-            <a:lstStyle/>
-            <a:p>
-              <a:pPr marL="285750" indent="-285750">
-                <a:buFont typeface="Wingdings" panose="05000000000000000000" pitchFamily="2" charset="2"/>
-                <a:buChar char="l"/>
-              </a:pPr>
-              <a:r>
-                <a:rPr lang="ko-KR" altLang="en-US" sz="1500" b="1" dirty="0">
-                  <a:ln>
-                    <a:solidFill>
-                      <a:schemeClr val="accent1">
-                        <a:alpha val="0"/>
-                      </a:schemeClr>
-                    </a:solidFill>
-                  </a:ln>
-                  <a:solidFill>
-                    <a:schemeClr val="tx1"/>
-                  </a:solidFill>
-                  <a:effectLst>
-                    <a:outerShdw blurRad="38100" dist="38100" dir="2700000" algn="tl">
-                      <a:srgbClr val="000000">
-                        <a:alpha val="43137"/>
-                      </a:srgbClr>
-                    </a:outerShdw>
-                  </a:effectLst>
-                  <a:latin typeface="HY헤드라인M" panose="02030600000101010101" pitchFamily="18" charset="-127"/>
-                  <a:ea typeface="HY헤드라인M" panose="02030600000101010101" pitchFamily="18" charset="-127"/>
-                </a:rPr>
-                <a:t>  </a:t>
-              </a:r>
-              <a:r>
-                <a:rPr lang="ko-KR" altLang="en-US" sz="1500" b="1" dirty="0">
-                  <a:ln>
-                    <a:solidFill>
-                      <a:schemeClr val="accent1">
-                        <a:alpha val="0"/>
-                      </a:schemeClr>
-                    </a:solidFill>
-                  </a:ln>
-                  <a:solidFill>
-                    <a:srgbClr val="FF0000"/>
-                  </a:solidFill>
-                  <a:effectLst>
-                    <a:outerShdw blurRad="38100" dist="38100" dir="2700000" algn="tl">
-                      <a:srgbClr val="000000">
-                        <a:alpha val="43137"/>
-                      </a:srgbClr>
-                    </a:outerShdw>
-                  </a:effectLst>
-                  <a:latin typeface="HY헤드라인M" panose="02030600000101010101" pitchFamily="18" charset="-127"/>
-                  <a:ea typeface="HY헤드라인M" panose="02030600000101010101" pitchFamily="18" charset="-127"/>
-                </a:rPr>
-                <a:t>정보보호 </a:t>
-              </a:r>
-              <a:r>
-                <a:rPr lang="ko-KR" altLang="en-US" sz="1500" b="1" dirty="0" err="1">
-                  <a:ln>
-                    <a:solidFill>
-                      <a:schemeClr val="accent1">
-                        <a:alpha val="0"/>
-                      </a:schemeClr>
-                    </a:solidFill>
-                  </a:ln>
-                  <a:solidFill>
-                    <a:srgbClr val="FF0000"/>
-                  </a:solidFill>
-                  <a:effectLst>
-                    <a:outerShdw blurRad="38100" dist="38100" dir="2700000" algn="tl">
-                      <a:srgbClr val="000000">
-                        <a:alpha val="43137"/>
-                      </a:srgbClr>
-                    </a:outerShdw>
-                  </a:effectLst>
-                  <a:latin typeface="HY헤드라인M" panose="02030600000101010101" pitchFamily="18" charset="-127"/>
-                  <a:ea typeface="HY헤드라인M" panose="02030600000101010101" pitchFamily="18" charset="-127"/>
-                </a:rPr>
-                <a:t>거버넌스</a:t>
-              </a:r>
-              <a:endParaRPr lang="ko-KR" altLang="en-US" sz="1500" b="1" dirty="0">
-                <a:ln>
-                  <a:solidFill>
-                    <a:schemeClr val="accent1">
-                      <a:alpha val="0"/>
-                    </a:schemeClr>
-                  </a:solidFill>
-                </a:ln>
-                <a:solidFill>
-                  <a:srgbClr val="FF0000"/>
-                </a:solidFill>
-                <a:effectLst>
-                  <a:outerShdw blurRad="38100" dist="38100" dir="2700000" algn="tl">
-                    <a:srgbClr val="000000">
-                      <a:alpha val="43137"/>
-                    </a:srgbClr>
-                  </a:outerShdw>
-                </a:effectLst>
-                <a:latin typeface="HY헤드라인M" panose="02030600000101010101" pitchFamily="18" charset="-127"/>
-                <a:ea typeface="HY헤드라인M" panose="02030600000101010101" pitchFamily="18" charset="-127"/>
-              </a:endParaRPr>
-            </a:p>
-          </p:txBody>
-        </p:sp>
-        <p:sp>
-          <p:nvSpPr>
-            <p:cNvPr id="33" name="직각 삼각형 32"/>
-            <p:cNvSpPr/>
-            <p:nvPr/>
-          </p:nvSpPr>
-          <p:spPr>
-            <a:xfrm rot="10800000">
-              <a:off x="251520" y="1954556"/>
-              <a:ext cx="144016" cy="178300"/>
-            </a:xfrm>
-            <a:prstGeom prst="rtTriangle">
-              <a:avLst/>
-            </a:prstGeom>
-            <a:grpFill/>
-            <a:ln>
-              <a:noFill/>
-            </a:ln>
-          </p:spPr>
-          <p:style>
-            <a:lnRef idx="2">
-              <a:schemeClr val="accent1">
-                <a:shade val="50000"/>
-              </a:schemeClr>
-            </a:lnRef>
-            <a:fillRef idx="1">
-              <a:schemeClr val="accent1"/>
-            </a:fillRef>
-            <a:effectRef idx="0">
-              <a:schemeClr val="accent1"/>
-            </a:effectRef>
-            <a:fontRef idx="minor">
-              <a:schemeClr val="lt1"/>
-            </a:fontRef>
-          </p:style>
-          <p:txBody>
-            <a:bodyPr rtlCol="0" anchor="ctr"/>
-            <a:lstStyle/>
-            <a:p>
-              <a:pPr marL="285750" indent="-285750" algn="ctr">
-                <a:buFont typeface="Wingdings" panose="05000000000000000000" pitchFamily="2" charset="2"/>
-                <a:buChar char="l"/>
-              </a:pPr>
-              <a:endParaRPr lang="ko-KR" altLang="en-US">
-                <a:solidFill>
-                  <a:schemeClr val="tx1"/>
-                </a:solidFill>
-                <a:latin typeface="HY헤드라인M" panose="02030600000101010101" pitchFamily="18" charset="-127"/>
-                <a:ea typeface="HY헤드라인M" panose="02030600000101010101" pitchFamily="18" charset="-127"/>
-              </a:endParaRPr>
-            </a:p>
-          </p:txBody>
-        </p:sp>
-      </p:grpSp>
-      <p:sp>
-        <p:nvSpPr>
-          <p:cNvPr id="34" name="직사각형 33"/>
-          <p:cNvSpPr/>
-          <p:nvPr/>
-        </p:nvSpPr>
-        <p:spPr>
-          <a:xfrm>
-            <a:off x="1993319" y="3870242"/>
-            <a:ext cx="8390755" cy="523220"/>
-          </a:xfrm>
-          <a:prstGeom prst="rect">
-            <a:avLst/>
-          </a:prstGeom>
-          <a:noFill/>
-        </p:spPr>
-        <p:txBody>
-          <a:bodyPr wrap="square">
-            <a:spAutoFit/>
-          </a:bodyPr>
-          <a:lstStyle/>
-          <a:p>
-            <a:pPr marL="342900" indent="-342900">
-              <a:buFont typeface="Wingdings" panose="05000000000000000000" pitchFamily="2" charset="2"/>
-              <a:buChar char="ü"/>
-            </a:pPr>
-            <a:r>
-              <a:rPr lang="ko-KR" altLang="en-US" sz="1400" dirty="0">
-                <a:latin typeface="HY헤드라인M" panose="02030600000101010101" pitchFamily="18" charset="-127"/>
-                <a:ea typeface="HY헤드라인M" panose="02030600000101010101" pitchFamily="18" charset="-127"/>
-              </a:rPr>
-              <a:t>기업 지배에 통합된 부분이며</a:t>
-            </a:r>
-            <a:r>
-              <a:rPr lang="en-US" altLang="ko-KR" sz="1400" dirty="0">
-                <a:latin typeface="HY헤드라인M" panose="02030600000101010101" pitchFamily="18" charset="-127"/>
-                <a:ea typeface="HY헤드라인M" panose="02030600000101010101" pitchFamily="18" charset="-127"/>
-              </a:rPr>
-              <a:t>, </a:t>
-            </a:r>
-            <a:r>
-              <a:rPr lang="ko-KR" altLang="en-US" sz="1400" dirty="0">
-                <a:latin typeface="HY헤드라인M" panose="02030600000101010101" pitchFamily="18" charset="-127"/>
-                <a:ea typeface="HY헤드라인M" panose="02030600000101010101" pitchFamily="18" charset="-127"/>
-              </a:rPr>
-              <a:t>조직의 </a:t>
-            </a:r>
-            <a:r>
-              <a:rPr lang="en-US" altLang="ko-KR" sz="1400" dirty="0">
-                <a:latin typeface="HY헤드라인M" panose="02030600000101010101" pitchFamily="18" charset="-127"/>
-                <a:ea typeface="HY헤드라인M" panose="02030600000101010101" pitchFamily="18" charset="-127"/>
-              </a:rPr>
-              <a:t>IT</a:t>
-            </a:r>
-            <a:r>
-              <a:rPr lang="ko-KR" altLang="en-US" sz="1400" dirty="0">
-                <a:latin typeface="HY헤드라인M" panose="02030600000101010101" pitchFamily="18" charset="-127"/>
-                <a:ea typeface="HY헤드라인M" panose="02030600000101010101" pitchFamily="18" charset="-127"/>
-              </a:rPr>
-              <a:t>가 조직의 전략과 목적을 지원하고 확장하는 것을 보증하기 </a:t>
-            </a:r>
-            <a:endParaRPr lang="en-US" altLang="ko-KR" sz="1400" dirty="0">
-              <a:latin typeface="HY헤드라인M" panose="02030600000101010101" pitchFamily="18" charset="-127"/>
-              <a:ea typeface="HY헤드라인M" panose="02030600000101010101" pitchFamily="18" charset="-127"/>
-            </a:endParaRPr>
-          </a:p>
-          <a:p>
-            <a:r>
-              <a:rPr lang="en-US" altLang="ko-KR" sz="1400" dirty="0">
-                <a:latin typeface="HY헤드라인M" panose="02030600000101010101" pitchFamily="18" charset="-127"/>
-                <a:ea typeface="HY헤드라인M" panose="02030600000101010101" pitchFamily="18" charset="-127"/>
-              </a:rPr>
-              <a:t>     </a:t>
-            </a:r>
-            <a:r>
-              <a:rPr lang="ko-KR" altLang="en-US" sz="1400" dirty="0">
-                <a:latin typeface="HY헤드라인M" panose="02030600000101010101" pitchFamily="18" charset="-127"/>
-                <a:ea typeface="HY헤드라인M" panose="02030600000101010101" pitchFamily="18" charset="-127"/>
-              </a:rPr>
-              <a:t>위한 </a:t>
-            </a:r>
-            <a:r>
-              <a:rPr lang="ko-KR" altLang="en-US" sz="1400" dirty="0" err="1">
-                <a:latin typeface="HY헤드라인M" panose="02030600000101010101" pitchFamily="18" charset="-127"/>
-                <a:ea typeface="HY헤드라인M" panose="02030600000101010101" pitchFamily="18" charset="-127"/>
-              </a:rPr>
-              <a:t>리더쉽</a:t>
-            </a:r>
-            <a:r>
-              <a:rPr lang="en-US" altLang="ko-KR" sz="1400" dirty="0">
-                <a:latin typeface="HY헤드라인M" panose="02030600000101010101" pitchFamily="18" charset="-127"/>
-                <a:ea typeface="HY헤드라인M" panose="02030600000101010101" pitchFamily="18" charset="-127"/>
-              </a:rPr>
-              <a:t>, </a:t>
-            </a:r>
-            <a:r>
-              <a:rPr lang="ko-KR" altLang="en-US" sz="1400" dirty="0">
-                <a:latin typeface="HY헤드라인M" panose="02030600000101010101" pitchFamily="18" charset="-127"/>
-                <a:ea typeface="HY헤드라인M" panose="02030600000101010101" pitchFamily="18" charset="-127"/>
-              </a:rPr>
-              <a:t>조직 구조</a:t>
-            </a:r>
-            <a:r>
-              <a:rPr lang="en-US" altLang="ko-KR" sz="1400" dirty="0">
-                <a:latin typeface="HY헤드라인M" panose="02030600000101010101" pitchFamily="18" charset="-127"/>
-                <a:ea typeface="HY헤드라인M" panose="02030600000101010101" pitchFamily="18" charset="-127"/>
-              </a:rPr>
-              <a:t>, </a:t>
-            </a:r>
-            <a:r>
-              <a:rPr lang="ko-KR" altLang="en-US" sz="1400" dirty="0">
-                <a:latin typeface="HY헤드라인M" panose="02030600000101010101" pitchFamily="18" charset="-127"/>
-                <a:ea typeface="HY헤드라인M" panose="02030600000101010101" pitchFamily="18" charset="-127"/>
-              </a:rPr>
-              <a:t>프로세스로 구성</a:t>
-            </a:r>
-            <a:r>
-              <a:rPr lang="en-US" altLang="ko-KR" sz="1400" dirty="0">
-                <a:latin typeface="HY헤드라인M" panose="02030600000101010101" pitchFamily="18" charset="-127"/>
-                <a:ea typeface="HY헤드라인M" panose="02030600000101010101" pitchFamily="18" charset="-127"/>
-              </a:rPr>
-              <a:t>, “</a:t>
-            </a:r>
-            <a:r>
-              <a:rPr lang="ko-KR" altLang="en-US" sz="1400" dirty="0">
-                <a:latin typeface="HY헤드라인M" panose="02030600000101010101" pitchFamily="18" charset="-127"/>
-                <a:ea typeface="HY헤드라인M" panose="02030600000101010101" pitchFamily="18" charset="-127"/>
-              </a:rPr>
-              <a:t>이사회와 이사급 경영진의 책임” 정의 </a:t>
-            </a:r>
-            <a:endParaRPr kumimoji="1" lang="ko-KR" altLang="en-US" sz="1400" spc="-150" dirty="0">
-              <a:ln w="11430">
-                <a:solidFill>
-                  <a:srgbClr val="4F81BD">
-                    <a:alpha val="0"/>
-                  </a:srgbClr>
-                </a:solidFill>
-              </a:ln>
-              <a:latin typeface="HY헤드라인M" panose="02030600000101010101" pitchFamily="18" charset="-127"/>
-              <a:ea typeface="HY헤드라인M" panose="02030600000101010101" pitchFamily="18" charset="-127"/>
-            </a:endParaRPr>
-          </a:p>
-        </p:txBody>
-      </p:sp>
-      <p:sp>
-        <p:nvSpPr>
-          <p:cNvPr id="35" name="Text Box 21"/>
-          <p:cNvSpPr txBox="1">
-            <a:spLocks noChangeArrowheads="1"/>
-          </p:cNvSpPr>
-          <p:nvPr/>
-        </p:nvSpPr>
-        <p:spPr bwMode="auto">
-          <a:xfrm>
-            <a:off x="2024711" y="5160399"/>
-            <a:ext cx="8884711" cy="1384995"/>
-          </a:xfrm>
-          <a:prstGeom prst="rect">
-            <a:avLst/>
-          </a:prstGeom>
-          <a:noFill/>
-        </p:spPr>
-        <p:txBody>
-          <a:bodyPr wrap="square" anchor="ctr">
-            <a:spAutoFit/>
-          </a:bodyPr>
-          <a:lstStyle/>
-          <a:p>
-            <a:endParaRPr lang="ko-KR" altLang="en-US" sz="1400" dirty="0">
-              <a:latin typeface="HY헤드라인M" panose="02030600000101010101" pitchFamily="18" charset="-127"/>
-              <a:ea typeface="HY헤드라인M" panose="02030600000101010101" pitchFamily="18" charset="-127"/>
-            </a:endParaRPr>
-          </a:p>
-          <a:p>
-            <a:pPr marL="285750" indent="-285750">
-              <a:buFont typeface="Wingdings" panose="05000000000000000000" pitchFamily="2" charset="2"/>
-              <a:buChar char="ü"/>
-            </a:pPr>
-            <a:r>
-              <a:rPr lang="ko-KR" altLang="en-US" sz="1400" dirty="0">
-                <a:latin typeface="HY헤드라인M" panose="02030600000101010101" pitchFamily="18" charset="-127"/>
-                <a:ea typeface="HY헤드라인M" panose="02030600000101010101" pitchFamily="18" charset="-127"/>
-              </a:rPr>
-              <a:t>의사결정 권한과 책임의 할당</a:t>
-            </a:r>
-            <a:r>
-              <a:rPr lang="en-US" altLang="ko-KR" sz="1400" dirty="0">
-                <a:latin typeface="HY헤드라인M" panose="02030600000101010101" pitchFamily="18" charset="-127"/>
-                <a:ea typeface="HY헤드라인M" panose="02030600000101010101" pitchFamily="18" charset="-127"/>
-              </a:rPr>
-              <a:t>, </a:t>
-            </a:r>
-            <a:r>
-              <a:rPr lang="ko-KR" altLang="en-US" sz="1400" dirty="0">
-                <a:latin typeface="HY헤드라인M" panose="02030600000101010101" pitchFamily="18" charset="-127"/>
-                <a:ea typeface="HY헤드라인M" panose="02030600000101010101" pitchFamily="18" charset="-127"/>
-              </a:rPr>
-              <a:t>비즈니스와 전략적 연계</a:t>
-            </a:r>
-            <a:r>
-              <a:rPr lang="en-US" altLang="ko-KR" sz="1400" dirty="0">
-                <a:latin typeface="HY헤드라인M" panose="02030600000101010101" pitchFamily="18" charset="-127"/>
-                <a:ea typeface="HY헤드라인M" panose="02030600000101010101" pitchFamily="18" charset="-127"/>
-              </a:rPr>
-              <a:t>, </a:t>
-            </a:r>
-            <a:r>
-              <a:rPr lang="ko-KR" altLang="en-US" sz="1400" dirty="0">
-                <a:latin typeface="HY헤드라인M" panose="02030600000101010101" pitchFamily="18" charset="-127"/>
-                <a:ea typeface="HY헤드라인M" panose="02030600000101010101" pitchFamily="18" charset="-127"/>
-              </a:rPr>
-              <a:t>관련 법과 규정의 준수를 위한 프로세스 및 </a:t>
-            </a:r>
-            <a:endParaRPr lang="en-US" altLang="ko-KR" sz="1400" dirty="0">
-              <a:latin typeface="HY헤드라인M" panose="02030600000101010101" pitchFamily="18" charset="-127"/>
-              <a:ea typeface="HY헤드라인M" panose="02030600000101010101" pitchFamily="18" charset="-127"/>
-            </a:endParaRPr>
-          </a:p>
-          <a:p>
-            <a:r>
-              <a:rPr lang="en-US" altLang="ko-KR" sz="1400" dirty="0">
-                <a:latin typeface="HY헤드라인M" panose="02030600000101010101" pitchFamily="18" charset="-127"/>
-                <a:ea typeface="HY헤드라인M" panose="02030600000101010101" pitchFamily="18" charset="-127"/>
-              </a:rPr>
-              <a:t>     </a:t>
-            </a:r>
-            <a:r>
-              <a:rPr lang="ko-KR" altLang="en-US" sz="1400" dirty="0">
-                <a:latin typeface="HY헤드라인M" panose="02030600000101010101" pitchFamily="18" charset="-127"/>
-                <a:ea typeface="HY헤드라인M" panose="02030600000101010101" pitchFamily="18" charset="-127"/>
-              </a:rPr>
-              <a:t>실행 체계</a:t>
-            </a:r>
-          </a:p>
-          <a:p>
-            <a:pPr marL="285750" indent="-285750">
-              <a:buFont typeface="Wingdings" panose="05000000000000000000" pitchFamily="2" charset="2"/>
-              <a:buChar char="ü"/>
-            </a:pPr>
-            <a:r>
-              <a:rPr lang="ko-KR" altLang="en-US" sz="1400" dirty="0">
-                <a:latin typeface="HY헤드라인M" panose="02030600000101010101" pitchFamily="18" charset="-127"/>
-                <a:ea typeface="HY헤드라인M" panose="02030600000101010101" pitchFamily="18" charset="-127"/>
-              </a:rPr>
-              <a:t>전략적 방향을 제시하고 목적 달성</a:t>
-            </a:r>
-            <a:r>
-              <a:rPr lang="en-US" altLang="ko-KR" sz="1400" dirty="0">
-                <a:latin typeface="HY헤드라인M" panose="02030600000101010101" pitchFamily="18" charset="-127"/>
-                <a:ea typeface="HY헤드라인M" panose="02030600000101010101" pitchFamily="18" charset="-127"/>
-              </a:rPr>
-              <a:t>, </a:t>
-            </a:r>
-            <a:r>
-              <a:rPr lang="ko-KR" altLang="en-US" sz="1400" dirty="0">
-                <a:latin typeface="HY헤드라인M" panose="02030600000101010101" pitchFamily="18" charset="-127"/>
-                <a:ea typeface="HY헤드라인M" panose="02030600000101010101" pitchFamily="18" charset="-127"/>
-              </a:rPr>
-              <a:t>적절한 위험관리</a:t>
-            </a:r>
-            <a:r>
-              <a:rPr lang="en-US" altLang="ko-KR" sz="1400" dirty="0">
-                <a:latin typeface="HY헤드라인M" panose="02030600000101010101" pitchFamily="18" charset="-127"/>
-                <a:ea typeface="HY헤드라인M" panose="02030600000101010101" pitchFamily="18" charset="-127"/>
-              </a:rPr>
-              <a:t>, </a:t>
-            </a:r>
-            <a:r>
-              <a:rPr lang="ko-KR" altLang="en-US" sz="1400" dirty="0">
-                <a:latin typeface="HY헤드라인M" panose="02030600000101010101" pitchFamily="18" charset="-127"/>
-                <a:ea typeface="HY헤드라인M" panose="02030600000101010101" pitchFamily="18" charset="-127"/>
-              </a:rPr>
-              <a:t>조직자산의 책임 있는 사용</a:t>
-            </a:r>
-            <a:r>
-              <a:rPr lang="en-US" altLang="ko-KR" sz="1400" dirty="0">
-                <a:latin typeface="HY헤드라인M" panose="02030600000101010101" pitchFamily="18" charset="-127"/>
-                <a:ea typeface="HY헤드라인M" panose="02030600000101010101" pitchFamily="18" charset="-127"/>
-              </a:rPr>
-              <a:t>, </a:t>
-            </a:r>
-            <a:r>
-              <a:rPr lang="ko-KR" altLang="en-US" sz="1400" dirty="0">
-                <a:latin typeface="HY헤드라인M" panose="02030600000101010101" pitchFamily="18" charset="-127"/>
-                <a:ea typeface="HY헤드라인M" panose="02030600000101010101" pitchFamily="18" charset="-127"/>
-              </a:rPr>
-              <a:t>기업 보안 프로그램의 성공과 실패가 모니터링 됨을 보장 </a:t>
-            </a:r>
-            <a:endParaRPr lang="en-US" altLang="ko-KR" sz="1400" dirty="0">
-              <a:latin typeface="HY헤드라인M" panose="02030600000101010101" pitchFamily="18" charset="-127"/>
-              <a:ea typeface="HY헤드라인M" panose="02030600000101010101" pitchFamily="18" charset="-127"/>
-            </a:endParaRPr>
-          </a:p>
-          <a:p>
-            <a:r>
-              <a:rPr kumimoji="1" lang="en-US" altLang="ko-KR" sz="1400" spc="-150" dirty="0">
-                <a:ln w="11430">
-                  <a:solidFill>
-                    <a:srgbClr val="4F81BD">
-                      <a:alpha val="0"/>
-                    </a:srgbClr>
-                  </a:solidFill>
-                </a:ln>
-                <a:latin typeface="HY헤드라인M" panose="02030600000101010101" pitchFamily="18" charset="-127"/>
-                <a:ea typeface="HY헤드라인M" panose="02030600000101010101" pitchFamily="18" charset="-127"/>
-              </a:rPr>
-              <a:t>   </a:t>
-            </a:r>
-            <a:endParaRPr kumimoji="1" lang="ko-KR" altLang="en-US" sz="1400" spc="-150" dirty="0">
-              <a:ln w="11430">
-                <a:solidFill>
-                  <a:srgbClr val="4F81BD">
-                    <a:alpha val="0"/>
-                  </a:srgbClr>
-                </a:solidFill>
-              </a:ln>
-              <a:latin typeface="HY헤드라인M" panose="02030600000101010101" pitchFamily="18" charset="-127"/>
-              <a:ea typeface="HY헤드라인M" panose="02030600000101010101" pitchFamily="18" charset="-127"/>
-            </a:endParaRPr>
-          </a:p>
-        </p:txBody>
-      </p:sp>
-      <p:sp>
-        <p:nvSpPr>
-          <p:cNvPr id="2" name="슬라이드 번호 개체 틀 1"/>
-          <p:cNvSpPr>
-            <a:spLocks noGrp="1"/>
-          </p:cNvSpPr>
-          <p:nvPr>
-            <p:ph type="sldNum" sz="quarter" idx="12"/>
-          </p:nvPr>
-        </p:nvSpPr>
-        <p:spPr/>
-        <p:txBody>
-          <a:bodyPr/>
-          <a:lstStyle/>
-          <a:p>
-            <a:pPr>
-              <a:defRPr/>
-            </a:pPr>
-            <a:fld id="{55E38E1A-DF08-4C1D-A43C-7DBA77D90342}" type="slidenum">
-              <a:rPr lang="ko-KR" altLang="en-US" smtClean="0"/>
-              <a:pPr>
-                <a:defRPr/>
-              </a:pPr>
-              <a:t>25</a:t>
-            </a:fld>
-            <a:endParaRPr lang="ko-KR" altLang="en-US" dirty="0"/>
-          </a:p>
-        </p:txBody>
-      </p:sp>
-      <p:sp>
-        <p:nvSpPr>
-          <p:cNvPr id="36" name="제목 1"/>
-          <p:cNvSpPr txBox="1">
-            <a:spLocks/>
-          </p:cNvSpPr>
-          <p:nvPr/>
-        </p:nvSpPr>
-        <p:spPr>
-          <a:xfrm>
-            <a:off x="1584664" y="153055"/>
-            <a:ext cx="8903825" cy="908720"/>
-          </a:xfrm>
-          <a:prstGeom prst="rect">
-            <a:avLst/>
-          </a:prstGeom>
-        </p:spPr>
-        <p:txBody>
-          <a:bodyPr>
-            <a:normAutofit/>
-          </a:bodyPr>
-          <a:lstStyle/>
-          <a:p>
-            <a:pPr>
-              <a:spcBef>
-                <a:spcPct val="0"/>
-              </a:spcBef>
-              <a:defRPr/>
-            </a:pPr>
-            <a:r>
-              <a:rPr lang="en-US" altLang="ko-KR" sz="3600" dirty="0">
-                <a:latin typeface="HY헤드라인M" pitchFamily="18" charset="-127"/>
-                <a:ea typeface="HY헤드라인M" pitchFamily="18" charset="-127"/>
-                <a:cs typeface="Arial Unicode MS" pitchFamily="50" charset="-127"/>
-              </a:rPr>
-              <a:t> 2. </a:t>
-            </a:r>
-            <a:r>
-              <a:rPr lang="ko-KR" altLang="en-US" sz="3600" dirty="0">
-                <a:latin typeface="HY헤드라인M" pitchFamily="18" charset="-127"/>
-                <a:ea typeface="HY헤드라인M" pitchFamily="18" charset="-127"/>
-                <a:cs typeface="Arial Unicode MS" pitchFamily="50" charset="-127"/>
-              </a:rPr>
-              <a:t>정보보호 관리 요소</a:t>
-            </a:r>
-            <a:endParaRPr lang="ko-KR" altLang="en-US" sz="3600" dirty="0">
-              <a:solidFill>
-                <a:srgbClr val="FF0000"/>
-              </a:solidFill>
-              <a:latin typeface="HY헤드라인M" pitchFamily="18" charset="-127"/>
-              <a:ea typeface="HY헤드라인M" pitchFamily="18" charset="-127"/>
-              <a:cs typeface="Arial Unicode MS" pitchFamily="50" charset="-127"/>
-            </a:endParaRPr>
-          </a:p>
-        </p:txBody>
-      </p:sp>
-    </p:spTree>
-    <p:extLst>
-      <p:ext uri="{BB962C8B-B14F-4D97-AF65-F5344CB8AC3E}">
-        <p14:creationId xmlns:p14="http://schemas.microsoft.com/office/powerpoint/2010/main" val="530601929"/>
       </p:ext>
     </p:extLst>
   </p:cSld>
@@ -37000,7 +35472,7 @@
         <p:spPr>
           <a:xfrm>
             <a:off x="1995079" y="1870336"/>
-            <a:ext cx="8280009" cy="4053970"/>
+            <a:ext cx="8280009" cy="4556158"/>
           </a:xfrm>
           <a:prstGeom prst="rect">
             <a:avLst/>
@@ -37064,18 +35536,91 @@
                 <a:latin typeface="HY헤드라인M" panose="02030600000101010101" pitchFamily="18" charset="-127"/>
                 <a:ea typeface="HY헤드라인M" panose="02030600000101010101" pitchFamily="18" charset="-127"/>
               </a:rPr>
-              <a:t>위협은 일반적으로 위협 원천에 따라 자연 재해나 장비 고장 등의 환경적 요인에 의한 것과 인간에 의한 것으로 나눌 수 있으며 인간에 의한 위협은 다시 의도적인 위협과 우연한 위협</a:t>
-            </a:r>
-            <a:endParaRPr lang="en-US" altLang="ko-KR" dirty="0">
+              <a:t>위협은 일반적으로 위협 원천에 따라 자연 재해나 장비 고장 등의 환경적 요인에 의한 것과 인간에 의한 것으로 나눌 수 있으며 인간에 의한 위협은 다시 의도적인 위협과 </a:t>
+            </a:r>
+            <a:r>
+              <a:rPr lang="ko-KR" altLang="en-US">
+                <a:latin typeface="HY헤드라인M" panose="02030600000101010101" pitchFamily="18" charset="-127"/>
+                <a:ea typeface="HY헤드라인M" panose="02030600000101010101" pitchFamily="18" charset="-127"/>
+              </a:rPr>
+              <a:t>우연한 위협 으로 나뉜다</a:t>
+            </a:r>
+            <a:r>
+              <a:rPr lang="en-US" altLang="ko-KR">
+                <a:latin typeface="HY헤드라인M" panose="02030600000101010101" pitchFamily="18" charset="-127"/>
+                <a:ea typeface="HY헤드라인M" panose="02030600000101010101" pitchFamily="18" charset="-127"/>
+              </a:rPr>
+              <a:t>.</a:t>
+            </a:r>
+          </a:p>
+          <a:p>
+            <a:pPr fontAlgn="base"/>
+            <a:endParaRPr lang="en-US" altLang="ko-KR">
               <a:latin typeface="HY헤드라인M" panose="02030600000101010101" pitchFamily="18" charset="-127"/>
               <a:ea typeface="HY헤드라인M" panose="02030600000101010101" pitchFamily="18" charset="-127"/>
             </a:endParaRPr>
           </a:p>
           <a:p>
-            <a:pPr marL="285750" indent="-285750" fontAlgn="base">
-              <a:buFont typeface="Wingdings" panose="05000000000000000000" pitchFamily="2" charset="2"/>
-              <a:buChar char="l"/>
-            </a:pPr>
+            <a:pPr fontAlgn="base"/>
+            <a:r>
+              <a:rPr lang="ko-KR" altLang="en-US">
+                <a:latin typeface="HY헤드라인M" panose="02030600000101010101" pitchFamily="18" charset="-127"/>
+                <a:ea typeface="HY헤드라인M" panose="02030600000101010101" pitchFamily="18" charset="-127"/>
+              </a:rPr>
+              <a:t>의도적인 위협에 견딤 </a:t>
+            </a:r>
+            <a:r>
+              <a:rPr lang="en-US" altLang="ko-KR">
+                <a:latin typeface="HY헤드라인M" panose="02030600000101010101" pitchFamily="18" charset="-127"/>
+                <a:ea typeface="HY헤드라인M" panose="02030600000101010101" pitchFamily="18" charset="-127"/>
+              </a:rPr>
+              <a:t>:   (</a:t>
+            </a:r>
+            <a:r>
+              <a:rPr lang="ko-KR" altLang="en-US">
+                <a:latin typeface="HY헤드라인M" panose="02030600000101010101" pitchFamily="18" charset="-127"/>
+                <a:ea typeface="HY헤드라인M" panose="02030600000101010101" pitchFamily="18" charset="-127"/>
+              </a:rPr>
+              <a:t>보안</a:t>
+            </a:r>
+            <a:r>
+              <a:rPr lang="en-US" altLang="ko-KR">
+                <a:latin typeface="HY헤드라인M" panose="02030600000101010101" pitchFamily="18" charset="-127"/>
+                <a:ea typeface="HY헤드라인M" panose="02030600000101010101" pitchFamily="18" charset="-127"/>
+              </a:rPr>
+              <a:t>) security </a:t>
+            </a:r>
+          </a:p>
+          <a:p>
+            <a:pPr fontAlgn="base"/>
+            <a:r>
+              <a:rPr lang="ko-KR" altLang="en-US">
+                <a:latin typeface="HY헤드라인M" panose="02030600000101010101" pitchFamily="18" charset="-127"/>
+                <a:ea typeface="HY헤드라인M" panose="02030600000101010101" pitchFamily="18" charset="-127"/>
+              </a:rPr>
+              <a:t>모든 위협에 견딤       </a:t>
+            </a:r>
+            <a:r>
+              <a:rPr lang="en-US" altLang="ko-KR">
+                <a:latin typeface="HY헤드라인M" panose="02030600000101010101" pitchFamily="18" charset="-127"/>
+                <a:ea typeface="HY헤드라인M" panose="02030600000101010101" pitchFamily="18" charset="-127"/>
+              </a:rPr>
+              <a:t>:   (</a:t>
+            </a:r>
+            <a:r>
+              <a:rPr lang="ko-KR" altLang="en-US">
+                <a:latin typeface="HY헤드라인M" panose="02030600000101010101" pitchFamily="18" charset="-127"/>
+                <a:ea typeface="HY헤드라인M" panose="02030600000101010101" pitchFamily="18" charset="-127"/>
+              </a:rPr>
+              <a:t>정보 보증</a:t>
+            </a:r>
+            <a:r>
+              <a:rPr lang="en-US" altLang="ko-KR">
+                <a:latin typeface="HY헤드라인M" panose="02030600000101010101" pitchFamily="18" charset="-127"/>
+                <a:ea typeface="HY헤드라인M" panose="02030600000101010101" pitchFamily="18" charset="-127"/>
+              </a:rPr>
+              <a:t>) trustworthy</a:t>
+            </a:r>
             <a:endParaRPr lang="en-US" altLang="ko-KR" dirty="0">
               <a:latin typeface="HY헤드라인M" panose="02030600000101010101" pitchFamily="18" charset="-127"/>
               <a:ea typeface="HY헤드라인M" panose="02030600000101010101" pitchFamily="18" charset="-127"/>
